--- a/插图.pptx
+++ b/插图.pptx
@@ -13231,6 +13231,158 @@
             <a:endParaRPr lang="zh-CN" altLang="en-US" sz="2400" dirty="0">
               <a:latin typeface="华文新魏" panose="02010800040101010101" charset="-122"/>
               <a:ea typeface="华文新魏" panose="02010800040101010101" charset="-122"/>
+            </a:endParaRPr>
+          </a:p>
+        </p:txBody>
+      </p:sp>
+      <p:sp>
+        <p:nvSpPr>
+          <p:cNvPr id="15" name="文本框 14"/>
+          <p:cNvSpPr txBox="1"/>
+          <p:nvPr/>
+        </p:nvSpPr>
+        <p:spPr>
+          <a:xfrm>
+            <a:off x="7385635" y="4282232"/>
+            <a:ext cx="1176655" cy="368300"/>
+          </a:xfrm>
+          <a:prstGeom prst="rect">
+            <a:avLst/>
+          </a:prstGeom>
+          <a:noFill/>
+        </p:spPr>
+        <p:txBody>
+          <a:bodyPr wrap="square" rtlCol="0">
+            <a:spAutoFit/>
+          </a:bodyPr>
+          <a:p>
+            <a:pPr algn="ctr"/>
+            <a:r>
+              <a:rPr lang="en-US" altLang="zh-CN">
+                <a:latin typeface="Times New Roman" panose="02020603050405020304" charset="0"/>
+                <a:ea typeface="华文新魏" panose="02010800040101010101" charset="-122"/>
+                <a:cs typeface="Times New Roman" panose="02020603050405020304" charset="0"/>
+              </a:rPr>
+              <a:t>0 min</a:t>
+            </a:r>
+            <a:endParaRPr lang="en-US" altLang="zh-CN">
+              <a:latin typeface="Times New Roman" panose="02020603050405020304" charset="0"/>
+              <a:ea typeface="华文新魏" panose="02010800040101010101" charset="-122"/>
+              <a:cs typeface="Times New Roman" panose="02020603050405020304" charset="0"/>
+            </a:endParaRPr>
+          </a:p>
+        </p:txBody>
+      </p:sp>
+      <p:sp>
+        <p:nvSpPr>
+          <p:cNvPr id="17" name="文本框 16"/>
+          <p:cNvSpPr txBox="1"/>
+          <p:nvPr/>
+        </p:nvSpPr>
+        <p:spPr>
+          <a:xfrm>
+            <a:off x="2458720" y="4347210"/>
+            <a:ext cx="1568450" cy="368300"/>
+          </a:xfrm>
+          <a:prstGeom prst="rect">
+            <a:avLst/>
+          </a:prstGeom>
+          <a:noFill/>
+        </p:spPr>
+        <p:txBody>
+          <a:bodyPr wrap="square" rtlCol="0">
+            <a:spAutoFit/>
+          </a:bodyPr>
+          <a:p>
+            <a:pPr algn="ctr"/>
+            <a:r>
+              <a:rPr lang="en-US" altLang="zh-CN">
+                <a:latin typeface="Times New Roman" panose="02020603050405020304" charset="0"/>
+                <a:ea typeface="华文新魏" panose="02010800040101010101" charset="-122"/>
+                <a:cs typeface="Times New Roman" panose="02020603050405020304" charset="0"/>
+              </a:rPr>
+              <a:t>10~20 min</a:t>
+            </a:r>
+            <a:endParaRPr lang="en-US" altLang="zh-CN">
+              <a:latin typeface="Times New Roman" panose="02020603050405020304" charset="0"/>
+              <a:ea typeface="华文新魏" panose="02010800040101010101" charset="-122"/>
+              <a:cs typeface="Times New Roman" panose="02020603050405020304" charset="0"/>
+            </a:endParaRPr>
+          </a:p>
+        </p:txBody>
+      </p:sp>
+      <p:sp>
+        <p:nvSpPr>
+          <p:cNvPr id="21" name="文本框 20"/>
+          <p:cNvSpPr txBox="1"/>
+          <p:nvPr/>
+        </p:nvSpPr>
+        <p:spPr>
+          <a:xfrm>
+            <a:off x="2498040" y="898317"/>
+            <a:ext cx="1176655" cy="368300"/>
+          </a:xfrm>
+          <a:prstGeom prst="rect">
+            <a:avLst/>
+          </a:prstGeom>
+          <a:noFill/>
+        </p:spPr>
+        <p:txBody>
+          <a:bodyPr wrap="square" rtlCol="0">
+            <a:spAutoFit/>
+          </a:bodyPr>
+          <a:p>
+            <a:pPr algn="ctr"/>
+            <a:r>
+              <a:rPr lang="en-US" altLang="zh-CN">
+                <a:latin typeface="Times New Roman" panose="02020603050405020304" charset="0"/>
+                <a:ea typeface="华文新魏" panose="02010800040101010101" charset="-122"/>
+                <a:cs typeface="Times New Roman" panose="02020603050405020304" charset="0"/>
+              </a:rPr>
+              <a:t>35~45 min</a:t>
+            </a:r>
+            <a:endParaRPr lang="en-US" altLang="zh-CN">
+              <a:latin typeface="Times New Roman" panose="02020603050405020304" charset="0"/>
+              <a:ea typeface="华文新魏" panose="02010800040101010101" charset="-122"/>
+              <a:cs typeface="Times New Roman" panose="02020603050405020304" charset="0"/>
+            </a:endParaRPr>
+          </a:p>
+        </p:txBody>
+      </p:sp>
+      <p:sp>
+        <p:nvSpPr>
+          <p:cNvPr id="22" name="文本框 21"/>
+          <p:cNvSpPr txBox="1"/>
+          <p:nvPr/>
+        </p:nvSpPr>
+        <p:spPr>
+          <a:xfrm>
+            <a:off x="7385635" y="3153837"/>
+            <a:ext cx="1176655" cy="368300"/>
+          </a:xfrm>
+          <a:prstGeom prst="rect">
+            <a:avLst/>
+          </a:prstGeom>
+          <a:noFill/>
+        </p:spPr>
+        <p:txBody>
+          <a:bodyPr wrap="square" rtlCol="0">
+            <a:spAutoFit/>
+          </a:bodyPr>
+          <a:p>
+            <a:pPr algn="ctr"/>
+            <a:r>
+              <a:rPr lang="en-US" altLang="zh-CN">
+                <a:latin typeface="Times New Roman" panose="02020603050405020304" charset="0"/>
+                <a:ea typeface="华文新魏" panose="02010800040101010101" charset="-122"/>
+                <a:cs typeface="Times New Roman" panose="02020603050405020304" charset="0"/>
+              </a:rPr>
+              <a:t>60 min</a:t>
+            </a:r>
+            <a:endParaRPr lang="en-US" altLang="zh-CN">
+              <a:latin typeface="Times New Roman" panose="02020603050405020304" charset="0"/>
+              <a:ea typeface="华文新魏" panose="02010800040101010101" charset="-122"/>
+              <a:cs typeface="Times New Roman" panose="02020603050405020304" charset="0"/>
             </a:endParaRPr>
           </a:p>
         </p:txBody>

--- a/插图.pptx
+++ b/插图.pptx
@@ -10,6 +10,7 @@
     <p:sldId id="411" r:id="rId5"/>
     <p:sldId id="412" r:id="rId6"/>
     <p:sldId id="413" r:id="rId7"/>
+    <p:sldId id="414" r:id="rId8"/>
   </p:sldIdLst>
   <p:sldSz cx="12192000" cy="6858000"/>
   <p:notesSz cx="6858000" cy="9144000"/>
@@ -13390,6 +13391,2840 @@
     </p:spTree>
     <p:custDataLst>
       <p:tags r:id="rId9"/>
+    </p:custDataLst>
+  </p:cSld>
+  <p:clrMapOvr>
+    <a:masterClrMapping/>
+  </p:clrMapOvr>
+</p:sld>
+</file>
+
+<file path=ppt/slides/slide6.xml><?xml version="1.0" encoding="utf-8"?>
+<p:sld xmlns:a="http://schemas.openxmlformats.org/drawingml/2006/main" xmlns:r="http://schemas.openxmlformats.org/officeDocument/2006/relationships" xmlns:p="http://schemas.openxmlformats.org/presentationml/2006/main">
+  <p:cSld>
+    <p:spTree>
+      <p:nvGrpSpPr>
+        <p:cNvPr id="1" name=""/>
+        <p:cNvGrpSpPr/>
+        <p:nvPr/>
+      </p:nvGrpSpPr>
+      <p:grpSpPr/>
+      <p:sp>
+        <p:nvSpPr>
+          <p:cNvPr id="22" name="Freeform 22"/>
+          <p:cNvSpPr/>
+          <p:nvPr/>
+        </p:nvSpPr>
+        <p:spPr bwMode="auto">
+          <a:xfrm>
+            <a:off x="1845945" y="4517708"/>
+            <a:ext cx="236538" cy="530225"/>
+          </a:xfrm>
+          <a:custGeom>
+            <a:avLst/>
+            <a:gdLst>
+              <a:gd name="T0" fmla="*/ 4 w 63"/>
+              <a:gd name="T1" fmla="*/ 140 h 141"/>
+              <a:gd name="T2" fmla="*/ 11 w 63"/>
+              <a:gd name="T3" fmla="*/ 137 h 141"/>
+              <a:gd name="T4" fmla="*/ 62 w 63"/>
+              <a:gd name="T5" fmla="*/ 6 h 141"/>
+              <a:gd name="T6" fmla="*/ 60 w 63"/>
+              <a:gd name="T7" fmla="*/ 1 h 141"/>
+              <a:gd name="T8" fmla="*/ 55 w 63"/>
+              <a:gd name="T9" fmla="*/ 3 h 141"/>
+              <a:gd name="T10" fmla="*/ 1 w 63"/>
+              <a:gd name="T11" fmla="*/ 133 h 141"/>
+              <a:gd name="T12" fmla="*/ 4 w 63"/>
+              <a:gd name="T13" fmla="*/ 140 h 141"/>
+            </a:gdLst>
+            <a:ahLst/>
+            <a:cxnLst>
+              <a:cxn ang="0">
+                <a:pos x="T0" y="T1"/>
+              </a:cxn>
+              <a:cxn ang="0">
+                <a:pos x="T2" y="T3"/>
+              </a:cxn>
+              <a:cxn ang="0">
+                <a:pos x="T4" y="T5"/>
+              </a:cxn>
+              <a:cxn ang="0">
+                <a:pos x="T6" y="T7"/>
+              </a:cxn>
+              <a:cxn ang="0">
+                <a:pos x="T8" y="T9"/>
+              </a:cxn>
+              <a:cxn ang="0">
+                <a:pos x="T10" y="T11"/>
+              </a:cxn>
+              <a:cxn ang="0">
+                <a:pos x="T12" y="T13"/>
+              </a:cxn>
+            </a:cxnLst>
+            <a:rect l="0" t="0" r="r" b="b"/>
+            <a:pathLst>
+              <a:path w="63" h="141">
+                <a:moveTo>
+                  <a:pt x="4" y="140"/>
+                </a:moveTo>
+                <a:cubicBezTo>
+                  <a:pt x="7" y="141"/>
+                  <a:pt x="10" y="140"/>
+                  <a:pt x="11" y="137"/>
+                </a:cubicBezTo>
+                <a:cubicBezTo>
+                  <a:pt x="62" y="6"/>
+                  <a:pt x="62" y="6"/>
+                  <a:pt x="62" y="6"/>
+                </a:cubicBezTo>
+                <a:cubicBezTo>
+                  <a:pt x="63" y="4"/>
+                  <a:pt x="62" y="2"/>
+                  <a:pt x="60" y="1"/>
+                </a:cubicBezTo>
+                <a:cubicBezTo>
+                  <a:pt x="58" y="0"/>
+                  <a:pt x="56" y="1"/>
+                  <a:pt x="55" y="3"/>
+                </a:cubicBezTo>
+                <a:cubicBezTo>
+                  <a:pt x="1" y="133"/>
+                  <a:pt x="1" y="133"/>
+                  <a:pt x="1" y="133"/>
+                </a:cubicBezTo>
+                <a:cubicBezTo>
+                  <a:pt x="0" y="136"/>
+                  <a:pt x="1" y="139"/>
+                  <a:pt x="4" y="140"/>
+                </a:cubicBezTo>
+                <a:close/>
+              </a:path>
+            </a:pathLst>
+          </a:custGeom>
+          <a:solidFill>
+            <a:schemeClr val="tx1"/>
+          </a:solidFill>
+          <a:ln>
+            <a:noFill/>
+          </a:ln>
+          <a:extLst>
+            <a:ext uri="{91240B29-F687-4F45-9708-019B960494DF}">
+              <a14:hiddenLine xmlns:a14="http://schemas.microsoft.com/office/drawing/2010/main" w="9525">
+                <a:solidFill>
+                  <a:srgbClr val="000000"/>
+                </a:solidFill>
+                <a:round/>
+              </a14:hiddenLine>
+            </a:ext>
+          </a:extLst>
+        </p:spPr>
+        <p:txBody>
+          <a:bodyPr vert="horz" wrap="square" lIns="91440" tIns="45720" rIns="91440" bIns="45720" numCol="1" anchor="t" anchorCtr="0" compatLnSpc="1"/>
+          <a:p>
+            <a:endParaRPr lang="zh-CN" altLang="en-US"/>
+          </a:p>
+        </p:txBody>
+      </p:sp>
+      <p:sp>
+        <p:nvSpPr>
+          <p:cNvPr id="23" name="Oval 23"/>
+          <p:cNvSpPr>
+            <a:spLocks noChangeArrowheads="1"/>
+          </p:cNvSpPr>
+          <p:nvPr/>
+        </p:nvSpPr>
+        <p:spPr bwMode="auto">
+          <a:xfrm>
+            <a:off x="1110933" y="4571683"/>
+            <a:ext cx="288925" cy="292100"/>
+          </a:xfrm>
+          <a:prstGeom prst="ellipse">
+            <a:avLst/>
+          </a:prstGeom>
+          <a:solidFill>
+            <a:schemeClr val="tx1"/>
+          </a:solidFill>
+          <a:ln>
+            <a:noFill/>
+          </a:ln>
+          <a:extLst>
+            <a:ext uri="{91240B29-F687-4F45-9708-019B960494DF}">
+              <a14:hiddenLine xmlns:a14="http://schemas.microsoft.com/office/drawing/2010/main" w="9525">
+                <a:solidFill>
+                  <a:srgbClr val="000000"/>
+                </a:solidFill>
+                <a:round/>
+              </a14:hiddenLine>
+            </a:ext>
+          </a:extLst>
+        </p:spPr>
+        <p:txBody>
+          <a:bodyPr vert="horz" wrap="square" lIns="91440" tIns="45720" rIns="91440" bIns="45720" numCol="1" anchor="t" anchorCtr="0" compatLnSpc="1"/>
+          <a:p>
+            <a:endParaRPr lang="zh-CN" altLang="en-US"/>
+          </a:p>
+        </p:txBody>
+      </p:sp>
+      <p:sp>
+        <p:nvSpPr>
+          <p:cNvPr id="24" name="Rectangle 24"/>
+          <p:cNvSpPr>
+            <a:spLocks noChangeArrowheads="1"/>
+          </p:cNvSpPr>
+          <p:nvPr/>
+        </p:nvSpPr>
+        <p:spPr bwMode="auto">
+          <a:xfrm>
+            <a:off x="1226820" y="4909821"/>
+            <a:ext cx="66675" cy="33338"/>
+          </a:xfrm>
+          <a:prstGeom prst="rect">
+            <a:avLst/>
+          </a:prstGeom>
+          <a:solidFill>
+            <a:schemeClr val="tx1"/>
+          </a:solidFill>
+          <a:ln>
+            <a:noFill/>
+          </a:ln>
+          <a:extLst>
+            <a:ext uri="{91240B29-F687-4F45-9708-019B960494DF}">
+              <a14:hiddenLine xmlns:a14="http://schemas.microsoft.com/office/drawing/2010/main" w="9525">
+                <a:solidFill>
+                  <a:srgbClr val="000000"/>
+                </a:solidFill>
+                <a:miter lim="800000"/>
+                <a:headEnd/>
+                <a:tailEnd/>
+              </a14:hiddenLine>
+            </a:ext>
+          </a:extLst>
+        </p:spPr>
+        <p:txBody>
+          <a:bodyPr vert="horz" wrap="square" lIns="91440" tIns="45720" rIns="91440" bIns="45720" numCol="1" anchor="t" anchorCtr="0" compatLnSpc="1"/>
+          <a:p>
+            <a:endParaRPr lang="zh-CN" altLang="en-US"/>
+          </a:p>
+        </p:txBody>
+      </p:sp>
+      <p:sp>
+        <p:nvSpPr>
+          <p:cNvPr id="25" name="Freeform 25"/>
+          <p:cNvSpPr/>
+          <p:nvPr/>
+        </p:nvSpPr>
+        <p:spPr bwMode="auto">
+          <a:xfrm>
+            <a:off x="1226820" y="4957446"/>
+            <a:ext cx="66675" cy="125413"/>
+          </a:xfrm>
+          <a:custGeom>
+            <a:avLst/>
+            <a:gdLst>
+              <a:gd name="T0" fmla="*/ 21 w 42"/>
+              <a:gd name="T1" fmla="*/ 79 h 79"/>
+              <a:gd name="T2" fmla="*/ 42 w 42"/>
+              <a:gd name="T3" fmla="*/ 52 h 79"/>
+              <a:gd name="T4" fmla="*/ 42 w 42"/>
+              <a:gd name="T5" fmla="*/ 0 h 79"/>
+              <a:gd name="T6" fmla="*/ 0 w 42"/>
+              <a:gd name="T7" fmla="*/ 0 h 79"/>
+              <a:gd name="T8" fmla="*/ 0 w 42"/>
+              <a:gd name="T9" fmla="*/ 52 h 79"/>
+              <a:gd name="T10" fmla="*/ 21 w 42"/>
+              <a:gd name="T11" fmla="*/ 79 h 79"/>
+            </a:gdLst>
+            <a:ahLst/>
+            <a:cxnLst>
+              <a:cxn ang="0">
+                <a:pos x="T0" y="T1"/>
+              </a:cxn>
+              <a:cxn ang="0">
+                <a:pos x="T2" y="T3"/>
+              </a:cxn>
+              <a:cxn ang="0">
+                <a:pos x="T4" y="T5"/>
+              </a:cxn>
+              <a:cxn ang="0">
+                <a:pos x="T6" y="T7"/>
+              </a:cxn>
+              <a:cxn ang="0">
+                <a:pos x="T8" y="T9"/>
+              </a:cxn>
+              <a:cxn ang="0">
+                <a:pos x="T10" y="T11"/>
+              </a:cxn>
+            </a:cxnLst>
+            <a:rect l="0" t="0" r="r" b="b"/>
+            <a:pathLst>
+              <a:path w="42" h="79">
+                <a:moveTo>
+                  <a:pt x="21" y="79"/>
+                </a:moveTo>
+                <a:lnTo>
+                  <a:pt x="42" y="52"/>
+                </a:lnTo>
+                <a:lnTo>
+                  <a:pt x="42" y="0"/>
+                </a:lnTo>
+                <a:lnTo>
+                  <a:pt x="0" y="0"/>
+                </a:lnTo>
+                <a:lnTo>
+                  <a:pt x="0" y="52"/>
+                </a:lnTo>
+                <a:lnTo>
+                  <a:pt x="21" y="79"/>
+                </a:lnTo>
+                <a:close/>
+              </a:path>
+            </a:pathLst>
+          </a:custGeom>
+          <a:solidFill>
+            <a:schemeClr val="tx1"/>
+          </a:solidFill>
+          <a:ln>
+            <a:noFill/>
+          </a:ln>
+          <a:extLst>
+            <a:ext uri="{91240B29-F687-4F45-9708-019B960494DF}">
+              <a14:hiddenLine xmlns:a14="http://schemas.microsoft.com/office/drawing/2010/main" w="9525">
+                <a:solidFill>
+                  <a:srgbClr val="000000"/>
+                </a:solidFill>
+                <a:round/>
+              </a14:hiddenLine>
+            </a:ext>
+          </a:extLst>
+        </p:spPr>
+        <p:txBody>
+          <a:bodyPr vert="horz" wrap="square" lIns="91440" tIns="45720" rIns="91440" bIns="45720" numCol="1" anchor="t" anchorCtr="0" compatLnSpc="1"/>
+          <a:p>
+            <a:endParaRPr lang="zh-CN" altLang="en-US"/>
+          </a:p>
+        </p:txBody>
+      </p:sp>
+      <p:sp>
+        <p:nvSpPr>
+          <p:cNvPr id="26" name="Freeform 26"/>
+          <p:cNvSpPr>
+            <a:spLocks noEditPoints="1"/>
+          </p:cNvSpPr>
+          <p:nvPr/>
+        </p:nvSpPr>
+        <p:spPr bwMode="auto">
+          <a:xfrm>
+            <a:off x="768033" y="4912996"/>
+            <a:ext cx="1160463" cy="1541463"/>
+          </a:xfrm>
+          <a:custGeom>
+            <a:avLst/>
+            <a:gdLst>
+              <a:gd name="T0" fmla="*/ 303 w 309"/>
+              <a:gd name="T1" fmla="*/ 18 h 410"/>
+              <a:gd name="T2" fmla="*/ 282 w 309"/>
+              <a:gd name="T3" fmla="*/ 18 h 410"/>
+              <a:gd name="T4" fmla="*/ 238 w 309"/>
+              <a:gd name="T5" fmla="*/ 58 h 410"/>
+              <a:gd name="T6" fmla="*/ 211 w 309"/>
+              <a:gd name="T7" fmla="*/ 27 h 410"/>
+              <a:gd name="T8" fmla="*/ 172 w 309"/>
+              <a:gd name="T9" fmla="*/ 1 h 410"/>
+              <a:gd name="T10" fmla="*/ 131 w 309"/>
+              <a:gd name="T11" fmla="*/ 53 h 410"/>
+              <a:gd name="T12" fmla="*/ 90 w 309"/>
+              <a:gd name="T13" fmla="*/ 0 h 410"/>
+              <a:gd name="T14" fmla="*/ 48 w 309"/>
+              <a:gd name="T15" fmla="*/ 27 h 410"/>
+              <a:gd name="T16" fmla="*/ 5 w 309"/>
+              <a:gd name="T17" fmla="*/ 76 h 410"/>
+              <a:gd name="T18" fmla="*/ 4 w 309"/>
+              <a:gd name="T19" fmla="*/ 96 h 410"/>
+              <a:gd name="T20" fmla="*/ 45 w 309"/>
+              <a:gd name="T21" fmla="*/ 158 h 410"/>
+              <a:gd name="T22" fmla="*/ 65 w 309"/>
+              <a:gd name="T23" fmla="*/ 163 h 410"/>
+              <a:gd name="T24" fmla="*/ 71 w 309"/>
+              <a:gd name="T25" fmla="*/ 142 h 410"/>
+              <a:gd name="T26" fmla="*/ 43 w 309"/>
+              <a:gd name="T27" fmla="*/ 91 h 410"/>
+              <a:gd name="T28" fmla="*/ 70 w 309"/>
+              <a:gd name="T29" fmla="*/ 65 h 410"/>
+              <a:gd name="T30" fmla="*/ 82 w 309"/>
+              <a:gd name="T31" fmla="*/ 391 h 410"/>
+              <a:gd name="T32" fmla="*/ 102 w 309"/>
+              <a:gd name="T33" fmla="*/ 410 h 410"/>
+              <a:gd name="T34" fmla="*/ 122 w 309"/>
+              <a:gd name="T35" fmla="*/ 391 h 410"/>
+              <a:gd name="T36" fmla="*/ 126 w 309"/>
+              <a:gd name="T37" fmla="*/ 289 h 410"/>
+              <a:gd name="T38" fmla="*/ 129 w 309"/>
+              <a:gd name="T39" fmla="*/ 212 h 410"/>
+              <a:gd name="T40" fmla="*/ 133 w 309"/>
+              <a:gd name="T41" fmla="*/ 289 h 410"/>
+              <a:gd name="T42" fmla="*/ 137 w 309"/>
+              <a:gd name="T43" fmla="*/ 391 h 410"/>
+              <a:gd name="T44" fmla="*/ 157 w 309"/>
+              <a:gd name="T45" fmla="*/ 410 h 410"/>
+              <a:gd name="T46" fmla="*/ 177 w 309"/>
+              <a:gd name="T47" fmla="*/ 391 h 410"/>
+              <a:gd name="T48" fmla="*/ 189 w 309"/>
+              <a:gd name="T49" fmla="*/ 65 h 410"/>
+              <a:gd name="T50" fmla="*/ 224 w 309"/>
+              <a:gd name="T51" fmla="*/ 97 h 410"/>
+              <a:gd name="T52" fmla="*/ 250 w 309"/>
+              <a:gd name="T53" fmla="*/ 97 h 410"/>
+              <a:gd name="T54" fmla="*/ 250 w 309"/>
+              <a:gd name="T55" fmla="*/ 97 h 410"/>
+              <a:gd name="T56" fmla="*/ 303 w 309"/>
+              <a:gd name="T57" fmla="*/ 39 h 410"/>
+              <a:gd name="T58" fmla="*/ 303 w 309"/>
+              <a:gd name="T59" fmla="*/ 18 h 410"/>
+              <a:gd name="T60" fmla="*/ 131 w 309"/>
+              <a:gd name="T61" fmla="*/ 110 h 410"/>
+              <a:gd name="T62" fmla="*/ 126 w 309"/>
+              <a:gd name="T63" fmla="*/ 105 h 410"/>
+              <a:gd name="T64" fmla="*/ 131 w 309"/>
+              <a:gd name="T65" fmla="*/ 100 h 410"/>
+              <a:gd name="T66" fmla="*/ 136 w 309"/>
+              <a:gd name="T67" fmla="*/ 105 h 410"/>
+              <a:gd name="T68" fmla="*/ 131 w 309"/>
+              <a:gd name="T69" fmla="*/ 110 h 410"/>
+              <a:gd name="T70" fmla="*/ 131 w 309"/>
+              <a:gd name="T71" fmla="*/ 83 h 410"/>
+              <a:gd name="T72" fmla="*/ 126 w 309"/>
+              <a:gd name="T73" fmla="*/ 78 h 410"/>
+              <a:gd name="T74" fmla="*/ 131 w 309"/>
+              <a:gd name="T75" fmla="*/ 73 h 410"/>
+              <a:gd name="T76" fmla="*/ 136 w 309"/>
+              <a:gd name="T77" fmla="*/ 78 h 410"/>
+              <a:gd name="T78" fmla="*/ 131 w 309"/>
+              <a:gd name="T79" fmla="*/ 83 h 410"/>
+            </a:gdLst>
+            <a:ahLst/>
+            <a:cxnLst>
+              <a:cxn ang="0">
+                <a:pos x="T0" y="T1"/>
+              </a:cxn>
+              <a:cxn ang="0">
+                <a:pos x="T2" y="T3"/>
+              </a:cxn>
+              <a:cxn ang="0">
+                <a:pos x="T4" y="T5"/>
+              </a:cxn>
+              <a:cxn ang="0">
+                <a:pos x="T6" y="T7"/>
+              </a:cxn>
+              <a:cxn ang="0">
+                <a:pos x="T8" y="T9"/>
+              </a:cxn>
+              <a:cxn ang="0">
+                <a:pos x="T10" y="T11"/>
+              </a:cxn>
+              <a:cxn ang="0">
+                <a:pos x="T12" y="T13"/>
+              </a:cxn>
+              <a:cxn ang="0">
+                <a:pos x="T14" y="T15"/>
+              </a:cxn>
+              <a:cxn ang="0">
+                <a:pos x="T16" y="T17"/>
+              </a:cxn>
+              <a:cxn ang="0">
+                <a:pos x="T18" y="T19"/>
+              </a:cxn>
+              <a:cxn ang="0">
+                <a:pos x="T20" y="T21"/>
+              </a:cxn>
+              <a:cxn ang="0">
+                <a:pos x="T22" y="T23"/>
+              </a:cxn>
+              <a:cxn ang="0">
+                <a:pos x="T24" y="T25"/>
+              </a:cxn>
+              <a:cxn ang="0">
+                <a:pos x="T26" y="T27"/>
+              </a:cxn>
+              <a:cxn ang="0">
+                <a:pos x="T28" y="T29"/>
+              </a:cxn>
+              <a:cxn ang="0">
+                <a:pos x="T30" y="T31"/>
+              </a:cxn>
+              <a:cxn ang="0">
+                <a:pos x="T32" y="T33"/>
+              </a:cxn>
+              <a:cxn ang="0">
+                <a:pos x="T34" y="T35"/>
+              </a:cxn>
+              <a:cxn ang="0">
+                <a:pos x="T36" y="T37"/>
+              </a:cxn>
+              <a:cxn ang="0">
+                <a:pos x="T38" y="T39"/>
+              </a:cxn>
+              <a:cxn ang="0">
+                <a:pos x="T40" y="T41"/>
+              </a:cxn>
+              <a:cxn ang="0">
+                <a:pos x="T42" y="T43"/>
+              </a:cxn>
+              <a:cxn ang="0">
+                <a:pos x="T44" y="T45"/>
+              </a:cxn>
+              <a:cxn ang="0">
+                <a:pos x="T46" y="T47"/>
+              </a:cxn>
+              <a:cxn ang="0">
+                <a:pos x="T48" y="T49"/>
+              </a:cxn>
+              <a:cxn ang="0">
+                <a:pos x="T50" y="T51"/>
+              </a:cxn>
+              <a:cxn ang="0">
+                <a:pos x="T52" y="T53"/>
+              </a:cxn>
+              <a:cxn ang="0">
+                <a:pos x="T54" y="T55"/>
+              </a:cxn>
+              <a:cxn ang="0">
+                <a:pos x="T56" y="T57"/>
+              </a:cxn>
+              <a:cxn ang="0">
+                <a:pos x="T58" y="T59"/>
+              </a:cxn>
+              <a:cxn ang="0">
+                <a:pos x="T60" y="T61"/>
+              </a:cxn>
+              <a:cxn ang="0">
+                <a:pos x="T62" y="T63"/>
+              </a:cxn>
+              <a:cxn ang="0">
+                <a:pos x="T64" y="T65"/>
+              </a:cxn>
+              <a:cxn ang="0">
+                <a:pos x="T66" y="T67"/>
+              </a:cxn>
+              <a:cxn ang="0">
+                <a:pos x="T68" y="T69"/>
+              </a:cxn>
+              <a:cxn ang="0">
+                <a:pos x="T70" y="T71"/>
+              </a:cxn>
+              <a:cxn ang="0">
+                <a:pos x="T72" y="T73"/>
+              </a:cxn>
+              <a:cxn ang="0">
+                <a:pos x="T74" y="T75"/>
+              </a:cxn>
+              <a:cxn ang="0">
+                <a:pos x="T76" y="T77"/>
+              </a:cxn>
+              <a:cxn ang="0">
+                <a:pos x="T78" y="T79"/>
+              </a:cxn>
+            </a:cxnLst>
+            <a:rect l="0" t="0" r="r" b="b"/>
+            <a:pathLst>
+              <a:path w="309" h="410">
+                <a:moveTo>
+                  <a:pt x="303" y="18"/>
+                </a:moveTo>
+                <a:cubicBezTo>
+                  <a:pt x="297" y="12"/>
+                  <a:pt x="288" y="12"/>
+                  <a:pt x="282" y="18"/>
+                </a:cubicBezTo>
+                <a:cubicBezTo>
+                  <a:pt x="238" y="58"/>
+                  <a:pt x="238" y="58"/>
+                  <a:pt x="238" y="58"/>
+                </a:cubicBezTo>
+                <a:cubicBezTo>
+                  <a:pt x="211" y="27"/>
+                  <a:pt x="211" y="27"/>
+                  <a:pt x="211" y="27"/>
+                </a:cubicBezTo>
+                <a:cubicBezTo>
+                  <a:pt x="201" y="17"/>
+                  <a:pt x="190" y="7"/>
+                  <a:pt x="172" y="1"/>
+                </a:cubicBezTo>
+                <a:cubicBezTo>
+                  <a:pt x="131" y="53"/>
+                  <a:pt x="131" y="53"/>
+                  <a:pt x="131" y="53"/>
+                </a:cubicBezTo>
+                <a:cubicBezTo>
+                  <a:pt x="90" y="0"/>
+                  <a:pt x="90" y="0"/>
+                  <a:pt x="90" y="0"/>
+                </a:cubicBezTo>
+                <a:cubicBezTo>
+                  <a:pt x="70" y="6"/>
+                  <a:pt x="58" y="16"/>
+                  <a:pt x="48" y="27"/>
+                </a:cubicBezTo>
+                <a:cubicBezTo>
+                  <a:pt x="5" y="76"/>
+                  <a:pt x="5" y="76"/>
+                  <a:pt x="5" y="76"/>
+                </a:cubicBezTo>
+                <a:cubicBezTo>
+                  <a:pt x="0" y="82"/>
+                  <a:pt x="0" y="90"/>
+                  <a:pt x="4" y="96"/>
+                </a:cubicBezTo>
+                <a:cubicBezTo>
+                  <a:pt x="45" y="158"/>
+                  <a:pt x="45" y="158"/>
+                  <a:pt x="45" y="158"/>
+                </a:cubicBezTo>
+                <a:cubicBezTo>
+                  <a:pt x="49" y="165"/>
+                  <a:pt x="58" y="167"/>
+                  <a:pt x="65" y="163"/>
+                </a:cubicBezTo>
+                <a:cubicBezTo>
+                  <a:pt x="73" y="159"/>
+                  <a:pt x="75" y="149"/>
+                  <a:pt x="71" y="142"/>
+                </a:cubicBezTo>
+                <a:cubicBezTo>
+                  <a:pt x="43" y="91"/>
+                  <a:pt x="43" y="91"/>
+                  <a:pt x="43" y="91"/>
+                </a:cubicBezTo>
+                <a:cubicBezTo>
+                  <a:pt x="70" y="65"/>
+                  <a:pt x="70" y="65"/>
+                  <a:pt x="70" y="65"/>
+                </a:cubicBezTo>
+                <a:cubicBezTo>
+                  <a:pt x="73" y="152"/>
+                  <a:pt x="82" y="391"/>
+                  <a:pt x="82" y="391"/>
+                </a:cubicBezTo>
+                <a:cubicBezTo>
+                  <a:pt x="82" y="401"/>
+                  <a:pt x="91" y="410"/>
+                  <a:pt x="102" y="410"/>
+                </a:cubicBezTo>
+                <a:cubicBezTo>
+                  <a:pt x="113" y="410"/>
+                  <a:pt x="122" y="401"/>
+                  <a:pt x="122" y="391"/>
+                </a:cubicBezTo>
+                <a:cubicBezTo>
+                  <a:pt x="126" y="289"/>
+                  <a:pt x="126" y="289"/>
+                  <a:pt x="126" y="289"/>
+                </a:cubicBezTo>
+                <a:cubicBezTo>
+                  <a:pt x="129" y="212"/>
+                  <a:pt x="129" y="212"/>
+                  <a:pt x="129" y="212"/>
+                </a:cubicBezTo>
+                <a:cubicBezTo>
+                  <a:pt x="133" y="289"/>
+                  <a:pt x="133" y="289"/>
+                  <a:pt x="133" y="289"/>
+                </a:cubicBezTo>
+                <a:cubicBezTo>
+                  <a:pt x="137" y="391"/>
+                  <a:pt x="137" y="391"/>
+                  <a:pt x="137" y="391"/>
+                </a:cubicBezTo>
+                <a:cubicBezTo>
+                  <a:pt x="137" y="401"/>
+                  <a:pt x="146" y="410"/>
+                  <a:pt x="157" y="410"/>
+                </a:cubicBezTo>
+                <a:cubicBezTo>
+                  <a:pt x="168" y="410"/>
+                  <a:pt x="177" y="401"/>
+                  <a:pt x="177" y="391"/>
+                </a:cubicBezTo>
+                <a:cubicBezTo>
+                  <a:pt x="177" y="391"/>
+                  <a:pt x="186" y="152"/>
+                  <a:pt x="189" y="65"/>
+                </a:cubicBezTo>
+                <a:cubicBezTo>
+                  <a:pt x="224" y="97"/>
+                  <a:pt x="224" y="97"/>
+                  <a:pt x="224" y="97"/>
+                </a:cubicBezTo>
+                <a:cubicBezTo>
+                  <a:pt x="231" y="104"/>
+                  <a:pt x="243" y="104"/>
+                  <a:pt x="250" y="97"/>
+                </a:cubicBezTo>
+                <a:cubicBezTo>
+                  <a:pt x="250" y="97"/>
+                  <a:pt x="250" y="97"/>
+                  <a:pt x="250" y="97"/>
+                </a:cubicBezTo>
+                <a:cubicBezTo>
+                  <a:pt x="303" y="39"/>
+                  <a:pt x="303" y="39"/>
+                  <a:pt x="303" y="39"/>
+                </a:cubicBezTo>
+                <a:cubicBezTo>
+                  <a:pt x="309" y="33"/>
+                  <a:pt x="309" y="24"/>
+                  <a:pt x="303" y="18"/>
+                </a:cubicBezTo>
+                <a:close/>
+                <a:moveTo>
+                  <a:pt x="131" y="110"/>
+                </a:moveTo>
+                <a:cubicBezTo>
+                  <a:pt x="128" y="110"/>
+                  <a:pt x="126" y="108"/>
+                  <a:pt x="126" y="105"/>
+                </a:cubicBezTo>
+                <a:cubicBezTo>
+                  <a:pt x="126" y="102"/>
+                  <a:pt x="128" y="100"/>
+                  <a:pt x="131" y="100"/>
+                </a:cubicBezTo>
+                <a:cubicBezTo>
+                  <a:pt x="134" y="100"/>
+                  <a:pt x="136" y="102"/>
+                  <a:pt x="136" y="105"/>
+                </a:cubicBezTo>
+                <a:cubicBezTo>
+                  <a:pt x="136" y="108"/>
+                  <a:pt x="134" y="110"/>
+                  <a:pt x="131" y="110"/>
+                </a:cubicBezTo>
+                <a:close/>
+                <a:moveTo>
+                  <a:pt x="131" y="83"/>
+                </a:moveTo>
+                <a:cubicBezTo>
+                  <a:pt x="128" y="83"/>
+                  <a:pt x="126" y="81"/>
+                  <a:pt x="126" y="78"/>
+                </a:cubicBezTo>
+                <a:cubicBezTo>
+                  <a:pt x="126" y="76"/>
+                  <a:pt x="128" y="73"/>
+                  <a:pt x="131" y="73"/>
+                </a:cubicBezTo>
+                <a:cubicBezTo>
+                  <a:pt x="134" y="73"/>
+                  <a:pt x="136" y="76"/>
+                  <a:pt x="136" y="78"/>
+                </a:cubicBezTo>
+                <a:cubicBezTo>
+                  <a:pt x="136" y="81"/>
+                  <a:pt x="134" y="83"/>
+                  <a:pt x="131" y="83"/>
+                </a:cubicBezTo>
+                <a:close/>
+              </a:path>
+            </a:pathLst>
+          </a:custGeom>
+          <a:solidFill>
+            <a:schemeClr val="tx1"/>
+          </a:solidFill>
+          <a:ln>
+            <a:noFill/>
+          </a:ln>
+          <a:extLst>
+            <a:ext uri="{91240B29-F687-4F45-9708-019B960494DF}">
+              <a14:hiddenLine xmlns:a14="http://schemas.microsoft.com/office/drawing/2010/main" w="9525">
+                <a:solidFill>
+                  <a:srgbClr val="000000"/>
+                </a:solidFill>
+                <a:round/>
+              </a14:hiddenLine>
+            </a:ext>
+          </a:extLst>
+        </p:spPr>
+        <p:txBody>
+          <a:bodyPr vert="horz" wrap="square" lIns="91440" tIns="45720" rIns="91440" bIns="45720" numCol="1" anchor="t" anchorCtr="0" compatLnSpc="1"/>
+          <a:p>
+            <a:endParaRPr lang="zh-CN" altLang="en-US"/>
+          </a:p>
+        </p:txBody>
+      </p:sp>
+      <p:sp>
+        <p:nvSpPr>
+          <p:cNvPr id="27" name="Freeform 27"/>
+          <p:cNvSpPr/>
+          <p:nvPr/>
+        </p:nvSpPr>
+        <p:spPr bwMode="auto">
+          <a:xfrm>
+            <a:off x="1658620" y="4289108"/>
+            <a:ext cx="1344613" cy="827088"/>
+          </a:xfrm>
+          <a:custGeom>
+            <a:avLst/>
+            <a:gdLst>
+              <a:gd name="T0" fmla="*/ 0 w 358"/>
+              <a:gd name="T1" fmla="*/ 0 h 220"/>
+              <a:gd name="T2" fmla="*/ 0 w 358"/>
+              <a:gd name="T3" fmla="*/ 212 h 220"/>
+              <a:gd name="T4" fmla="*/ 1 w 358"/>
+              <a:gd name="T5" fmla="*/ 213 h 220"/>
+              <a:gd name="T6" fmla="*/ 20 w 358"/>
+              <a:gd name="T7" fmla="*/ 196 h 220"/>
+              <a:gd name="T8" fmla="*/ 20 w 358"/>
+              <a:gd name="T9" fmla="*/ 19 h 220"/>
+              <a:gd name="T10" fmla="*/ 338 w 358"/>
+              <a:gd name="T11" fmla="*/ 19 h 220"/>
+              <a:gd name="T12" fmla="*/ 338 w 358"/>
+              <a:gd name="T13" fmla="*/ 200 h 220"/>
+              <a:gd name="T14" fmla="*/ 78 w 358"/>
+              <a:gd name="T15" fmla="*/ 200 h 220"/>
+              <a:gd name="T16" fmla="*/ 72 w 358"/>
+              <a:gd name="T17" fmla="*/ 211 h 220"/>
+              <a:gd name="T18" fmla="*/ 63 w 358"/>
+              <a:gd name="T19" fmla="*/ 220 h 220"/>
+              <a:gd name="T20" fmla="*/ 358 w 358"/>
+              <a:gd name="T21" fmla="*/ 220 h 220"/>
+              <a:gd name="T22" fmla="*/ 358 w 358"/>
+              <a:gd name="T23" fmla="*/ 0 h 220"/>
+              <a:gd name="T24" fmla="*/ 0 w 358"/>
+              <a:gd name="T25" fmla="*/ 0 h 220"/>
+            </a:gdLst>
+            <a:ahLst/>
+            <a:cxnLst>
+              <a:cxn ang="0">
+                <a:pos x="T0" y="T1"/>
+              </a:cxn>
+              <a:cxn ang="0">
+                <a:pos x="T2" y="T3"/>
+              </a:cxn>
+              <a:cxn ang="0">
+                <a:pos x="T4" y="T5"/>
+              </a:cxn>
+              <a:cxn ang="0">
+                <a:pos x="T6" y="T7"/>
+              </a:cxn>
+              <a:cxn ang="0">
+                <a:pos x="T8" y="T9"/>
+              </a:cxn>
+              <a:cxn ang="0">
+                <a:pos x="T10" y="T11"/>
+              </a:cxn>
+              <a:cxn ang="0">
+                <a:pos x="T12" y="T13"/>
+              </a:cxn>
+              <a:cxn ang="0">
+                <a:pos x="T14" y="T15"/>
+              </a:cxn>
+              <a:cxn ang="0">
+                <a:pos x="T16" y="T17"/>
+              </a:cxn>
+              <a:cxn ang="0">
+                <a:pos x="T18" y="T19"/>
+              </a:cxn>
+              <a:cxn ang="0">
+                <a:pos x="T20" y="T21"/>
+              </a:cxn>
+              <a:cxn ang="0">
+                <a:pos x="T22" y="T23"/>
+              </a:cxn>
+              <a:cxn ang="0">
+                <a:pos x="T24" y="T25"/>
+              </a:cxn>
+            </a:cxnLst>
+            <a:rect l="0" t="0" r="r" b="b"/>
+            <a:pathLst>
+              <a:path w="358" h="220">
+                <a:moveTo>
+                  <a:pt x="0" y="0"/>
+                </a:moveTo>
+                <a:cubicBezTo>
+                  <a:pt x="0" y="212"/>
+                  <a:pt x="0" y="212"/>
+                  <a:pt x="0" y="212"/>
+                </a:cubicBezTo>
+                <a:cubicBezTo>
+                  <a:pt x="1" y="213"/>
+                  <a:pt x="1" y="213"/>
+                  <a:pt x="1" y="213"/>
+                </a:cubicBezTo>
+                <a:cubicBezTo>
+                  <a:pt x="20" y="196"/>
+                  <a:pt x="20" y="196"/>
+                  <a:pt x="20" y="196"/>
+                </a:cubicBezTo>
+                <a:cubicBezTo>
+                  <a:pt x="20" y="19"/>
+                  <a:pt x="20" y="19"/>
+                  <a:pt x="20" y="19"/>
+                </a:cubicBezTo>
+                <a:cubicBezTo>
+                  <a:pt x="338" y="19"/>
+                  <a:pt x="338" y="19"/>
+                  <a:pt x="338" y="19"/>
+                </a:cubicBezTo>
+                <a:cubicBezTo>
+                  <a:pt x="338" y="200"/>
+                  <a:pt x="338" y="200"/>
+                  <a:pt x="338" y="200"/>
+                </a:cubicBezTo>
+                <a:cubicBezTo>
+                  <a:pt x="78" y="200"/>
+                  <a:pt x="78" y="200"/>
+                  <a:pt x="78" y="200"/>
+                </a:cubicBezTo>
+                <a:cubicBezTo>
+                  <a:pt x="77" y="204"/>
+                  <a:pt x="75" y="208"/>
+                  <a:pt x="72" y="211"/>
+                </a:cubicBezTo>
+                <a:cubicBezTo>
+                  <a:pt x="63" y="220"/>
+                  <a:pt x="63" y="220"/>
+                  <a:pt x="63" y="220"/>
+                </a:cubicBezTo>
+                <a:cubicBezTo>
+                  <a:pt x="358" y="220"/>
+                  <a:pt x="358" y="220"/>
+                  <a:pt x="358" y="220"/>
+                </a:cubicBezTo>
+                <a:cubicBezTo>
+                  <a:pt x="358" y="0"/>
+                  <a:pt x="358" y="0"/>
+                  <a:pt x="358" y="0"/>
+                </a:cubicBezTo>
+                <a:lnTo>
+                  <a:pt x="0" y="0"/>
+                </a:lnTo>
+                <a:close/>
+              </a:path>
+            </a:pathLst>
+          </a:custGeom>
+          <a:solidFill>
+            <a:schemeClr val="tx1"/>
+          </a:solidFill>
+          <a:ln>
+            <a:noFill/>
+          </a:ln>
+          <a:extLst>
+            <a:ext uri="{91240B29-F687-4F45-9708-019B960494DF}">
+              <a14:hiddenLine xmlns:a14="http://schemas.microsoft.com/office/drawing/2010/main" w="9525">
+                <a:solidFill>
+                  <a:srgbClr val="000000"/>
+                </a:solidFill>
+                <a:round/>
+              </a14:hiddenLine>
+            </a:ext>
+          </a:extLst>
+        </p:spPr>
+        <p:txBody>
+          <a:bodyPr vert="horz" wrap="square" lIns="91440" tIns="45720" rIns="91440" bIns="45720" numCol="1" anchor="t" anchorCtr="0" compatLnSpc="1"/>
+          <a:p>
+            <a:endParaRPr lang="zh-CN" altLang="en-US"/>
+          </a:p>
+        </p:txBody>
+      </p:sp>
+      <p:pic>
+        <p:nvPicPr>
+          <p:cNvPr id="2" name="图片 1" descr="student_400px_1151802_easyicon.net"/>
+          <p:cNvPicPr>
+            <a:picLocks noChangeAspect="1"/>
+          </p:cNvPicPr>
+          <p:nvPr/>
+        </p:nvPicPr>
+        <p:blipFill>
+          <a:blip r:embed="rId1"/>
+          <a:stretch>
+            <a:fillRect/>
+          </a:stretch>
+        </p:blipFill>
+        <p:spPr>
+          <a:xfrm>
+            <a:off x="4493260" y="4289425"/>
+            <a:ext cx="2357120" cy="2133600"/>
+          </a:xfrm>
+          <a:prstGeom prst="rect">
+            <a:avLst/>
+          </a:prstGeom>
+          <a:noFill/>
+        </p:spPr>
+      </p:pic>
+      <p:grpSp>
+        <p:nvGrpSpPr>
+          <p:cNvPr id="140" name="组合 139"/>
+          <p:cNvGrpSpPr/>
+          <p:nvPr/>
+        </p:nvGrpSpPr>
+        <p:grpSpPr>
+          <a:xfrm>
+            <a:off x="8594725" y="4448175"/>
+            <a:ext cx="1533525" cy="2035175"/>
+            <a:chOff x="7499350" y="4610101"/>
+            <a:chExt cx="1368425" cy="1725613"/>
+          </a:xfrm>
+          <a:solidFill>
+            <a:srgbClr val="595959"/>
+          </a:solidFill>
+        </p:grpSpPr>
+        <p:sp>
+          <p:nvSpPr>
+            <p:cNvPr id="141" name="Freeform 41"/>
+            <p:cNvSpPr/>
+            <p:nvPr/>
+          </p:nvSpPr>
+          <p:spPr bwMode="auto">
+            <a:xfrm flipV="1">
+              <a:off x="7796213" y="4610101"/>
+              <a:ext cx="417513" cy="414338"/>
+            </a:xfrm>
+            <a:custGeom>
+              <a:avLst/>
+              <a:gdLst>
+                <a:gd name="T0" fmla="*/ 556 w 1150"/>
+                <a:gd name="T1" fmla="*/ 1122 h 1143"/>
+                <a:gd name="T2" fmla="*/ 1136 w 1150"/>
+                <a:gd name="T3" fmla="*/ 572 h 1143"/>
+                <a:gd name="T4" fmla="*/ 578 w 1150"/>
+                <a:gd name="T5" fmla="*/ 14 h 1143"/>
+                <a:gd name="T6" fmla="*/ 27 w 1150"/>
+                <a:gd name="T7" fmla="*/ 601 h 1143"/>
+                <a:gd name="T8" fmla="*/ 556 w 1150"/>
+                <a:gd name="T9" fmla="*/ 1122 h 1143"/>
+              </a:gdLst>
+              <a:ahLst/>
+              <a:cxnLst>
+                <a:cxn ang="0">
+                  <a:pos x="T0" y="T1"/>
+                </a:cxn>
+                <a:cxn ang="0">
+                  <a:pos x="T2" y="T3"/>
+                </a:cxn>
+                <a:cxn ang="0">
+                  <a:pos x="T4" y="T5"/>
+                </a:cxn>
+                <a:cxn ang="0">
+                  <a:pos x="T6" y="T7"/>
+                </a:cxn>
+                <a:cxn ang="0">
+                  <a:pos x="T8" y="T9"/>
+                </a:cxn>
+              </a:cxnLst>
+              <a:rect l="0" t="0" r="r" b="b"/>
+              <a:pathLst>
+                <a:path w="1150" h="1143">
+                  <a:moveTo>
+                    <a:pt x="556" y="1122"/>
+                  </a:moveTo>
+                  <a:cubicBezTo>
+                    <a:pt x="857" y="1143"/>
+                    <a:pt x="1145" y="877"/>
+                    <a:pt x="1136" y="572"/>
+                  </a:cubicBezTo>
+                  <a:cubicBezTo>
+                    <a:pt x="1150" y="273"/>
+                    <a:pt x="877" y="0"/>
+                    <a:pt x="578" y="14"/>
+                  </a:cubicBezTo>
+                  <a:cubicBezTo>
+                    <a:pt x="270" y="5"/>
+                    <a:pt x="0" y="296"/>
+                    <a:pt x="27" y="601"/>
+                  </a:cubicBezTo>
+                  <a:cubicBezTo>
+                    <a:pt x="41" y="876"/>
+                    <a:pt x="281" y="1111"/>
+                    <a:pt x="556" y="1122"/>
+                  </a:cubicBezTo>
+                </a:path>
+              </a:pathLst>
+            </a:custGeom>
+            <a:solidFill>
+              <a:schemeClr val="tx1"/>
+            </a:solidFill>
+            <a:ln>
+              <a:noFill/>
+            </a:ln>
+            <a:extLst>
+              <a:ext uri="{91240B29-F687-4F45-9708-019B960494DF}">
+                <a14:hiddenLine xmlns:a14="http://schemas.microsoft.com/office/drawing/2010/main" w="9525">
+                  <a:solidFill>
+                    <a:srgbClr val="000000"/>
+                  </a:solidFill>
+                  <a:round/>
+                </a14:hiddenLine>
+              </a:ext>
+            </a:extLst>
+          </p:spPr>
+          <p:txBody>
+            <a:bodyPr vert="horz" wrap="square" lIns="91440" tIns="45720" rIns="91440" bIns="45720" numCol="1" anchor="t" anchorCtr="0" compatLnSpc="1"/>
+            <a:p>
+              <a:pPr marL="0" marR="0" lvl="0" indent="0" defTabSz="914400" eaLnBrk="1" fontAlgn="auto" latinLnBrk="0" hangingPunct="1">
+                <a:lnSpc>
+                  <a:spcPct val="100000"/>
+                </a:lnSpc>
+                <a:spcBef>
+                  <a:spcPts val="0"/>
+                </a:spcBef>
+                <a:spcAft>
+                  <a:spcPts val="0"/>
+                </a:spcAft>
+                <a:buClrTx/>
+                <a:buSzTx/>
+                <a:buFontTx/>
+                <a:buNone/>
+                <a:defRPr/>
+              </a:pPr>
+              <a:endParaRPr kumimoji="0" lang="zh-CN" altLang="en-US" sz="1800" b="0" i="0" u="none" strike="noStrike" kern="0" cap="none" spc="0" normalizeH="0" baseline="0" noProof="0">
+                <a:ln>
+                  <a:noFill/>
+                </a:ln>
+                <a:solidFill>
+                  <a:sysClr val="windowText" lastClr="000000"/>
+                </a:solidFill>
+                <a:effectLst/>
+                <a:uLnTx/>
+                <a:uFillTx/>
+              </a:endParaRPr>
+            </a:p>
+          </p:txBody>
+        </p:sp>
+        <p:sp>
+          <p:nvSpPr>
+            <p:cNvPr id="142" name="Freeform 42"/>
+            <p:cNvSpPr>
+              <a:spLocks noEditPoints="1"/>
+            </p:cNvSpPr>
+            <p:nvPr/>
+          </p:nvSpPr>
+          <p:spPr bwMode="auto">
+            <a:xfrm flipV="1">
+              <a:off x="7499350" y="5041901"/>
+              <a:ext cx="1368425" cy="1293813"/>
+            </a:xfrm>
+            <a:custGeom>
+              <a:avLst/>
+              <a:gdLst>
+                <a:gd name="T0" fmla="*/ 1247 w 3766"/>
+                <a:gd name="T1" fmla="*/ 3502 h 3568"/>
+                <a:gd name="T2" fmla="*/ 1903 w 3766"/>
+                <a:gd name="T3" fmla="*/ 3359 h 3568"/>
+                <a:gd name="T4" fmla="*/ 2716 w 3766"/>
+                <a:gd name="T5" fmla="*/ 2377 h 3568"/>
+                <a:gd name="T6" fmla="*/ 3041 w 3766"/>
+                <a:gd name="T7" fmla="*/ 2327 h 3568"/>
+                <a:gd name="T8" fmla="*/ 3343 w 3766"/>
+                <a:gd name="T9" fmla="*/ 2437 h 3568"/>
+                <a:gd name="T10" fmla="*/ 3723 w 3766"/>
+                <a:gd name="T11" fmla="*/ 1818 h 3568"/>
+                <a:gd name="T12" fmla="*/ 3629 w 3766"/>
+                <a:gd name="T13" fmla="*/ 1666 h 3568"/>
+                <a:gd name="T14" fmla="*/ 2723 w 3766"/>
+                <a:gd name="T15" fmla="*/ 1120 h 3568"/>
+                <a:gd name="T16" fmla="*/ 2559 w 3766"/>
+                <a:gd name="T17" fmla="*/ 1229 h 3568"/>
+                <a:gd name="T18" fmla="*/ 2247 w 3766"/>
+                <a:gd name="T19" fmla="*/ 1762 h 3568"/>
+                <a:gd name="T20" fmla="*/ 2492 w 3766"/>
+                <a:gd name="T21" fmla="*/ 1993 h 3568"/>
+                <a:gd name="T22" fmla="*/ 2500 w 3766"/>
+                <a:gd name="T23" fmla="*/ 2155 h 3568"/>
+                <a:gd name="T24" fmla="*/ 2057 w 3766"/>
+                <a:gd name="T25" fmla="*/ 2707 h 3568"/>
+                <a:gd name="T26" fmla="*/ 1828 w 3766"/>
+                <a:gd name="T27" fmla="*/ 2784 h 3568"/>
+                <a:gd name="T28" fmla="*/ 1890 w 3766"/>
+                <a:gd name="T29" fmla="*/ 1902 h 3568"/>
+                <a:gd name="T30" fmla="*/ 2171 w 3766"/>
+                <a:gd name="T31" fmla="*/ 1264 h 3568"/>
+                <a:gd name="T32" fmla="*/ 2830 w 3766"/>
+                <a:gd name="T33" fmla="*/ 765 h 3568"/>
+                <a:gd name="T34" fmla="*/ 2562 w 3766"/>
+                <a:gd name="T35" fmla="*/ 488 h 3568"/>
+                <a:gd name="T36" fmla="*/ 1999 w 3766"/>
+                <a:gd name="T37" fmla="*/ 845 h 3568"/>
+                <a:gd name="T38" fmla="*/ 1329 w 3766"/>
+                <a:gd name="T39" fmla="*/ 1610 h 3568"/>
+                <a:gd name="T40" fmla="*/ 879 w 3766"/>
+                <a:gd name="T41" fmla="*/ 1169 h 3568"/>
+                <a:gd name="T42" fmla="*/ 848 w 3766"/>
+                <a:gd name="T43" fmla="*/ 1013 h 3568"/>
+                <a:gd name="T44" fmla="*/ 911 w 3766"/>
+                <a:gd name="T45" fmla="*/ 126 h 3568"/>
+                <a:gd name="T46" fmla="*/ 498 w 3766"/>
+                <a:gd name="T47" fmla="*/ 37 h 3568"/>
+                <a:gd name="T48" fmla="*/ 316 w 3766"/>
+                <a:gd name="T49" fmla="*/ 1261 h 3568"/>
+                <a:gd name="T50" fmla="*/ 923 w 3766"/>
+                <a:gd name="T51" fmla="*/ 2016 h 3568"/>
+                <a:gd name="T52" fmla="*/ 925 w 3766"/>
+                <a:gd name="T53" fmla="*/ 2403 h 3568"/>
+                <a:gd name="T54" fmla="*/ 189 w 3766"/>
+                <a:gd name="T55" fmla="*/ 1974 h 3568"/>
+                <a:gd name="T56" fmla="*/ 48 w 3766"/>
+                <a:gd name="T57" fmla="*/ 2276 h 3568"/>
+                <a:gd name="T58" fmla="*/ 842 w 3766"/>
+                <a:gd name="T59" fmla="*/ 2903 h 3568"/>
+                <a:gd name="T60" fmla="*/ 1247 w 3766"/>
+                <a:gd name="T61" fmla="*/ 3502 h 3568"/>
+                <a:gd name="T62" fmla="*/ 2579 w 3766"/>
+                <a:gd name="T63" fmla="*/ 2056 h 3568"/>
+                <a:gd name="T64" fmla="*/ 2941 w 3766"/>
+                <a:gd name="T65" fmla="*/ 2278 h 3568"/>
+                <a:gd name="T66" fmla="*/ 2579 w 3766"/>
+                <a:gd name="T67" fmla="*/ 2056 h 3568"/>
+              </a:gdLst>
+              <a:ahLst/>
+              <a:cxnLst>
+                <a:cxn ang="0">
+                  <a:pos x="T0" y="T1"/>
+                </a:cxn>
+                <a:cxn ang="0">
+                  <a:pos x="T2" y="T3"/>
+                </a:cxn>
+                <a:cxn ang="0">
+                  <a:pos x="T4" y="T5"/>
+                </a:cxn>
+                <a:cxn ang="0">
+                  <a:pos x="T6" y="T7"/>
+                </a:cxn>
+                <a:cxn ang="0">
+                  <a:pos x="T8" y="T9"/>
+                </a:cxn>
+                <a:cxn ang="0">
+                  <a:pos x="T10" y="T11"/>
+                </a:cxn>
+                <a:cxn ang="0">
+                  <a:pos x="T12" y="T13"/>
+                </a:cxn>
+                <a:cxn ang="0">
+                  <a:pos x="T14" y="T15"/>
+                </a:cxn>
+                <a:cxn ang="0">
+                  <a:pos x="T16" y="T17"/>
+                </a:cxn>
+                <a:cxn ang="0">
+                  <a:pos x="T18" y="T19"/>
+                </a:cxn>
+                <a:cxn ang="0">
+                  <a:pos x="T20" y="T21"/>
+                </a:cxn>
+                <a:cxn ang="0">
+                  <a:pos x="T22" y="T23"/>
+                </a:cxn>
+                <a:cxn ang="0">
+                  <a:pos x="T24" y="T25"/>
+                </a:cxn>
+                <a:cxn ang="0">
+                  <a:pos x="T26" y="T27"/>
+                </a:cxn>
+                <a:cxn ang="0">
+                  <a:pos x="T28" y="T29"/>
+                </a:cxn>
+                <a:cxn ang="0">
+                  <a:pos x="T30" y="T31"/>
+                </a:cxn>
+                <a:cxn ang="0">
+                  <a:pos x="T32" y="T33"/>
+                </a:cxn>
+                <a:cxn ang="0">
+                  <a:pos x="T34" y="T35"/>
+                </a:cxn>
+                <a:cxn ang="0">
+                  <a:pos x="T36" y="T37"/>
+                </a:cxn>
+                <a:cxn ang="0">
+                  <a:pos x="T38" y="T39"/>
+                </a:cxn>
+                <a:cxn ang="0">
+                  <a:pos x="T40" y="T41"/>
+                </a:cxn>
+                <a:cxn ang="0">
+                  <a:pos x="T42" y="T43"/>
+                </a:cxn>
+                <a:cxn ang="0">
+                  <a:pos x="T44" y="T45"/>
+                </a:cxn>
+                <a:cxn ang="0">
+                  <a:pos x="T46" y="T47"/>
+                </a:cxn>
+                <a:cxn ang="0">
+                  <a:pos x="T48" y="T49"/>
+                </a:cxn>
+                <a:cxn ang="0">
+                  <a:pos x="T50" y="T51"/>
+                </a:cxn>
+                <a:cxn ang="0">
+                  <a:pos x="T52" y="T53"/>
+                </a:cxn>
+                <a:cxn ang="0">
+                  <a:pos x="T54" y="T55"/>
+                </a:cxn>
+                <a:cxn ang="0">
+                  <a:pos x="T56" y="T57"/>
+                </a:cxn>
+                <a:cxn ang="0">
+                  <a:pos x="T58" y="T59"/>
+                </a:cxn>
+                <a:cxn ang="0">
+                  <a:pos x="T60" y="T61"/>
+                </a:cxn>
+                <a:cxn ang="0">
+                  <a:pos x="T62" y="T63"/>
+                </a:cxn>
+                <a:cxn ang="0">
+                  <a:pos x="T64" y="T65"/>
+                </a:cxn>
+                <a:cxn ang="0">
+                  <a:pos x="T66" y="T67"/>
+                </a:cxn>
+              </a:cxnLst>
+              <a:rect l="0" t="0" r="r" b="b"/>
+              <a:pathLst>
+                <a:path w="3766" h="3568">
+                  <a:moveTo>
+                    <a:pt x="1247" y="3502"/>
+                  </a:moveTo>
+                  <a:cubicBezTo>
+                    <a:pt x="1465" y="3461"/>
+                    <a:pt x="1751" y="3568"/>
+                    <a:pt x="1903" y="3359"/>
+                  </a:cubicBezTo>
+                  <a:cubicBezTo>
+                    <a:pt x="2211" y="3062"/>
+                    <a:pt x="2505" y="2752"/>
+                    <a:pt x="2716" y="2377"/>
+                  </a:cubicBezTo>
+                  <a:cubicBezTo>
+                    <a:pt x="2827" y="2393"/>
+                    <a:pt x="2941" y="2382"/>
+                    <a:pt x="3041" y="2327"/>
+                  </a:cubicBezTo>
+                  <a:cubicBezTo>
+                    <a:pt x="3135" y="2370"/>
+                    <a:pt x="3234" y="2494"/>
+                    <a:pt x="3343" y="2437"/>
+                  </a:cubicBezTo>
+                  <a:cubicBezTo>
+                    <a:pt x="3482" y="2240"/>
+                    <a:pt x="3601" y="2027"/>
+                    <a:pt x="3723" y="1818"/>
+                  </a:cubicBezTo>
+                  <a:cubicBezTo>
+                    <a:pt x="3766" y="1748"/>
+                    <a:pt x="3678" y="1698"/>
+                    <a:pt x="3629" y="1666"/>
+                  </a:cubicBezTo>
+                  <a:cubicBezTo>
+                    <a:pt x="3326" y="1486"/>
+                    <a:pt x="3028" y="1298"/>
+                    <a:pt x="2723" y="1120"/>
+                  </a:cubicBezTo>
+                  <a:cubicBezTo>
+                    <a:pt x="2643" y="1071"/>
+                    <a:pt x="2595" y="1175"/>
+                    <a:pt x="2559" y="1229"/>
+                  </a:cubicBezTo>
+                  <a:cubicBezTo>
+                    <a:pt x="2460" y="1409"/>
+                    <a:pt x="2336" y="1576"/>
+                    <a:pt x="2247" y="1762"/>
+                  </a:cubicBezTo>
+                  <a:cubicBezTo>
+                    <a:pt x="2226" y="1895"/>
+                    <a:pt x="2410" y="1923"/>
+                    <a:pt x="2492" y="1993"/>
+                  </a:cubicBezTo>
+                  <a:cubicBezTo>
+                    <a:pt x="2494" y="2047"/>
+                    <a:pt x="2497" y="2101"/>
+                    <a:pt x="2500" y="2155"/>
+                  </a:cubicBezTo>
+                  <a:cubicBezTo>
+                    <a:pt x="2351" y="2337"/>
+                    <a:pt x="2206" y="2524"/>
+                    <a:pt x="2057" y="2707"/>
+                  </a:cubicBezTo>
+                  <a:cubicBezTo>
+                    <a:pt x="1981" y="2732"/>
+                    <a:pt x="1904" y="2758"/>
+                    <a:pt x="1828" y="2784"/>
+                  </a:cubicBezTo>
+                  <a:cubicBezTo>
+                    <a:pt x="1849" y="2490"/>
+                    <a:pt x="1842" y="2192"/>
+                    <a:pt x="1890" y="1902"/>
+                  </a:cubicBezTo>
+                  <a:cubicBezTo>
+                    <a:pt x="1974" y="1685"/>
+                    <a:pt x="2062" y="1468"/>
+                    <a:pt x="2171" y="1264"/>
+                  </a:cubicBezTo>
+                  <a:cubicBezTo>
+                    <a:pt x="2380" y="1085"/>
+                    <a:pt x="2612" y="933"/>
+                    <a:pt x="2830" y="765"/>
+                  </a:cubicBezTo>
+                  <a:cubicBezTo>
+                    <a:pt x="2805" y="634"/>
+                    <a:pt x="2725" y="458"/>
+                    <a:pt x="2562" y="488"/>
+                  </a:cubicBezTo>
+                  <a:cubicBezTo>
+                    <a:pt x="2365" y="590"/>
+                    <a:pt x="2190" y="731"/>
+                    <a:pt x="1999" y="845"/>
+                  </a:cubicBezTo>
+                  <a:cubicBezTo>
+                    <a:pt x="1690" y="1012"/>
+                    <a:pt x="1544" y="1349"/>
+                    <a:pt x="1329" y="1610"/>
+                  </a:cubicBezTo>
+                  <a:cubicBezTo>
+                    <a:pt x="1185" y="1456"/>
+                    <a:pt x="1024" y="1321"/>
+                    <a:pt x="879" y="1169"/>
+                  </a:cubicBezTo>
+                  <a:cubicBezTo>
+                    <a:pt x="829" y="1132"/>
+                    <a:pt x="846" y="1066"/>
+                    <a:pt x="848" y="1013"/>
+                  </a:cubicBezTo>
+                  <a:cubicBezTo>
+                    <a:pt x="876" y="718"/>
+                    <a:pt x="891" y="422"/>
+                    <a:pt x="911" y="126"/>
+                  </a:cubicBezTo>
+                  <a:cubicBezTo>
+                    <a:pt x="794" y="29"/>
+                    <a:pt x="644" y="0"/>
+                    <a:pt x="498" y="37"/>
+                  </a:cubicBezTo>
+                  <a:cubicBezTo>
+                    <a:pt x="441" y="446"/>
+                    <a:pt x="380" y="854"/>
+                    <a:pt x="316" y="1261"/>
+                  </a:cubicBezTo>
+                  <a:cubicBezTo>
+                    <a:pt x="520" y="1512"/>
+                    <a:pt x="720" y="1765"/>
+                    <a:pt x="923" y="2016"/>
+                  </a:cubicBezTo>
+                  <a:cubicBezTo>
+                    <a:pt x="925" y="2145"/>
+                    <a:pt x="925" y="2274"/>
+                    <a:pt x="925" y="2403"/>
+                  </a:cubicBezTo>
+                  <a:cubicBezTo>
+                    <a:pt x="681" y="2257"/>
+                    <a:pt x="431" y="2122"/>
+                    <a:pt x="189" y="1974"/>
+                  </a:cubicBezTo>
+                  <a:cubicBezTo>
+                    <a:pt x="109" y="2051"/>
+                    <a:pt x="0" y="2154"/>
+                    <a:pt x="48" y="2276"/>
+                  </a:cubicBezTo>
+                  <a:cubicBezTo>
+                    <a:pt x="299" y="2502"/>
+                    <a:pt x="672" y="2593"/>
+                    <a:pt x="842" y="2903"/>
+                  </a:cubicBezTo>
+                  <a:cubicBezTo>
+                    <a:pt x="974" y="3105"/>
+                    <a:pt x="1111" y="3303"/>
+                    <a:pt x="1247" y="3502"/>
+                  </a:cubicBezTo>
+                  <a:moveTo>
+                    <a:pt x="2579" y="2056"/>
+                  </a:moveTo>
+                  <a:cubicBezTo>
+                    <a:pt x="2706" y="2119"/>
+                    <a:pt x="2829" y="2192"/>
+                    <a:pt x="2941" y="2278"/>
+                  </a:cubicBezTo>
+                  <a:cubicBezTo>
+                    <a:pt x="2779" y="2314"/>
+                    <a:pt x="2626" y="2211"/>
+                    <a:pt x="2579" y="2056"/>
+                  </a:cubicBezTo>
+                </a:path>
+              </a:pathLst>
+            </a:custGeom>
+            <a:solidFill>
+              <a:schemeClr val="tx1"/>
+            </a:solidFill>
+            <a:ln>
+              <a:noFill/>
+            </a:ln>
+            <a:extLst>
+              <a:ext uri="{91240B29-F687-4F45-9708-019B960494DF}">
+                <a14:hiddenLine xmlns:a14="http://schemas.microsoft.com/office/drawing/2010/main" w="9525">
+                  <a:solidFill>
+                    <a:srgbClr val="000000"/>
+                  </a:solidFill>
+                  <a:round/>
+                </a14:hiddenLine>
+              </a:ext>
+            </a:extLst>
+          </p:spPr>
+          <p:txBody>
+            <a:bodyPr vert="horz" wrap="square" lIns="91440" tIns="45720" rIns="91440" bIns="45720" numCol="1" anchor="t" anchorCtr="0" compatLnSpc="1"/>
+            <a:p>
+              <a:pPr marL="0" marR="0" lvl="0" indent="0" defTabSz="914400" eaLnBrk="1" fontAlgn="auto" latinLnBrk="0" hangingPunct="1">
+                <a:lnSpc>
+                  <a:spcPct val="100000"/>
+                </a:lnSpc>
+                <a:spcBef>
+                  <a:spcPts val="0"/>
+                </a:spcBef>
+                <a:spcAft>
+                  <a:spcPts val="0"/>
+                </a:spcAft>
+                <a:buClrTx/>
+                <a:buSzTx/>
+                <a:buFontTx/>
+                <a:buNone/>
+                <a:defRPr/>
+              </a:pPr>
+              <a:endParaRPr kumimoji="0" lang="zh-CN" altLang="en-US" sz="1800" b="0" i="0" u="none" strike="noStrike" kern="0" cap="none" spc="0" normalizeH="0" baseline="0" noProof="0">
+                <a:ln>
+                  <a:noFill/>
+                </a:ln>
+                <a:solidFill>
+                  <a:sysClr val="windowText" lastClr="000000"/>
+                </a:solidFill>
+                <a:effectLst/>
+                <a:uLnTx/>
+                <a:uFillTx/>
+              </a:endParaRPr>
+            </a:p>
+          </p:txBody>
+        </p:sp>
+      </p:grpSp>
+      <p:grpSp>
+        <p:nvGrpSpPr>
+          <p:cNvPr id="61" name="组合 60"/>
+          <p:cNvGrpSpPr/>
+          <p:nvPr/>
+        </p:nvGrpSpPr>
+        <p:grpSpPr>
+          <a:xfrm>
+            <a:off x="5332730" y="-143510"/>
+            <a:ext cx="788670" cy="2361565"/>
+            <a:chOff x="8944298" y="3903155"/>
+            <a:chExt cx="888677" cy="2753234"/>
+          </a:xfrm>
+          <a:solidFill>
+            <a:schemeClr val="tx2"/>
+          </a:solidFill>
+        </p:grpSpPr>
+        <p:sp>
+          <p:nvSpPr>
+            <p:cNvPr id="62" name="任意多边形 61"/>
+            <p:cNvSpPr/>
+            <p:nvPr/>
+          </p:nvSpPr>
+          <p:spPr bwMode="auto">
+            <a:xfrm flipV="1">
+              <a:off x="8944298" y="4472509"/>
+              <a:ext cx="525140" cy="594059"/>
+            </a:xfrm>
+            <a:custGeom>
+              <a:avLst/>
+              <a:gdLst>
+                <a:gd name="connsiteX0" fmla="*/ 457321 w 525140"/>
+                <a:gd name="connsiteY0" fmla="*/ 593225 h 594059"/>
+                <a:gd name="connsiteX1" fmla="*/ 518227 w 525140"/>
+                <a:gd name="connsiteY1" fmla="*/ 517971 h 594059"/>
+                <a:gd name="connsiteX2" fmla="*/ 523799 w 525140"/>
+                <a:gd name="connsiteY2" fmla="*/ 496969 h 594059"/>
+                <a:gd name="connsiteX3" fmla="*/ 525140 w 525140"/>
+                <a:gd name="connsiteY3" fmla="*/ 497879 h 594059"/>
+                <a:gd name="connsiteX4" fmla="*/ 524288 w 525140"/>
+                <a:gd name="connsiteY4" fmla="*/ 495125 h 594059"/>
+                <a:gd name="connsiteX5" fmla="*/ 525140 w 525140"/>
+                <a:gd name="connsiteY5" fmla="*/ 491914 h 594059"/>
+                <a:gd name="connsiteX6" fmla="*/ 522168 w 525140"/>
+                <a:gd name="connsiteY6" fmla="*/ 488270 h 594059"/>
+                <a:gd name="connsiteX7" fmla="*/ 495362 w 525140"/>
+                <a:gd name="connsiteY7" fmla="*/ 401610 h 594059"/>
+                <a:gd name="connsiteX8" fmla="*/ 461966 w 525140"/>
+                <a:gd name="connsiteY8" fmla="*/ 306543 h 594059"/>
+                <a:gd name="connsiteX9" fmla="*/ 402697 w 525140"/>
+                <a:gd name="connsiteY9" fmla="*/ 169907 h 594059"/>
+                <a:gd name="connsiteX10" fmla="*/ 257511 w 525140"/>
+                <a:gd name="connsiteY10" fmla="*/ 9011 h 594059"/>
+                <a:gd name="connsiteX11" fmla="*/ 100379 w 525140"/>
+                <a:gd name="connsiteY11" fmla="*/ 55014 h 594059"/>
+                <a:gd name="connsiteX12" fmla="*/ 49839 w 525140"/>
+                <a:gd name="connsiteY12" fmla="*/ 151597 h 594059"/>
+                <a:gd name="connsiteX13" fmla="*/ 4354 w 525140"/>
+                <a:gd name="connsiteY13" fmla="*/ 384130 h 594059"/>
+                <a:gd name="connsiteX14" fmla="*/ 9408 w 525140"/>
+                <a:gd name="connsiteY14" fmla="*/ 482316 h 594059"/>
+                <a:gd name="connsiteX15" fmla="*/ 90271 w 525140"/>
+                <a:gd name="connsiteY15" fmla="*/ 531981 h 594059"/>
+                <a:gd name="connsiteX16" fmla="*/ 323671 w 525140"/>
+                <a:gd name="connsiteY16" fmla="*/ 532667 h 594059"/>
+                <a:gd name="connsiteX17" fmla="*/ 212714 w 525140"/>
+                <a:gd name="connsiteY17" fmla="*/ 244977 h 594059"/>
+                <a:gd name="connsiteX18" fmla="*/ 219147 w 525140"/>
+                <a:gd name="connsiteY18" fmla="*/ 215681 h 594059"/>
+                <a:gd name="connsiteX19" fmla="*/ 293807 w 525140"/>
+                <a:gd name="connsiteY19" fmla="*/ 375204 h 594059"/>
+                <a:gd name="connsiteX20" fmla="*/ 343428 w 525140"/>
+                <a:gd name="connsiteY20" fmla="*/ 521224 h 594059"/>
+                <a:gd name="connsiteX21" fmla="*/ 346314 w 525140"/>
+                <a:gd name="connsiteY21" fmla="*/ 518475 h 594059"/>
+                <a:gd name="connsiteX22" fmla="*/ 365370 w 525140"/>
+                <a:gd name="connsiteY22" fmla="*/ 552373 h 594059"/>
+                <a:gd name="connsiteX23" fmla="*/ 457321 w 525140"/>
+                <a:gd name="connsiteY23" fmla="*/ 593225 h 594059"/>
+              </a:gdLst>
+              <a:ahLst/>
+              <a:cxnLst>
+                <a:cxn ang="0">
+                  <a:pos x="connsiteX0" y="connsiteY0"/>
+                </a:cxn>
+                <a:cxn ang="0">
+                  <a:pos x="connsiteX1" y="connsiteY1"/>
+                </a:cxn>
+                <a:cxn ang="0">
+                  <a:pos x="connsiteX2" y="connsiteY2"/>
+                </a:cxn>
+                <a:cxn ang="0">
+                  <a:pos x="connsiteX3" y="connsiteY3"/>
+                </a:cxn>
+                <a:cxn ang="0">
+                  <a:pos x="connsiteX4" y="connsiteY4"/>
+                </a:cxn>
+                <a:cxn ang="0">
+                  <a:pos x="connsiteX5" y="connsiteY5"/>
+                </a:cxn>
+                <a:cxn ang="0">
+                  <a:pos x="connsiteX6" y="connsiteY6"/>
+                </a:cxn>
+                <a:cxn ang="0">
+                  <a:pos x="connsiteX7" y="connsiteY7"/>
+                </a:cxn>
+                <a:cxn ang="0">
+                  <a:pos x="connsiteX8" y="connsiteY8"/>
+                </a:cxn>
+                <a:cxn ang="0">
+                  <a:pos x="connsiteX9" y="connsiteY9"/>
+                </a:cxn>
+                <a:cxn ang="0">
+                  <a:pos x="connsiteX10" y="connsiteY10"/>
+                </a:cxn>
+                <a:cxn ang="0">
+                  <a:pos x="connsiteX11" y="connsiteY11"/>
+                </a:cxn>
+                <a:cxn ang="0">
+                  <a:pos x="connsiteX12" y="connsiteY12"/>
+                </a:cxn>
+                <a:cxn ang="0">
+                  <a:pos x="connsiteX13" y="connsiteY13"/>
+                </a:cxn>
+                <a:cxn ang="0">
+                  <a:pos x="connsiteX14" y="connsiteY14"/>
+                </a:cxn>
+                <a:cxn ang="0">
+                  <a:pos x="connsiteX15" y="connsiteY15"/>
+                </a:cxn>
+                <a:cxn ang="0">
+                  <a:pos x="connsiteX16" y="connsiteY16"/>
+                </a:cxn>
+                <a:cxn ang="0">
+                  <a:pos x="connsiteX17" y="connsiteY17"/>
+                </a:cxn>
+                <a:cxn ang="0">
+                  <a:pos x="connsiteX18" y="connsiteY18"/>
+                </a:cxn>
+                <a:cxn ang="0">
+                  <a:pos x="connsiteX19" y="connsiteY19"/>
+                </a:cxn>
+                <a:cxn ang="0">
+                  <a:pos x="connsiteX20" y="connsiteY20"/>
+                </a:cxn>
+                <a:cxn ang="0">
+                  <a:pos x="connsiteX21" y="connsiteY21"/>
+                </a:cxn>
+                <a:cxn ang="0">
+                  <a:pos x="connsiteX22" y="connsiteY22"/>
+                </a:cxn>
+                <a:cxn ang="0">
+                  <a:pos x="connsiteX23" y="connsiteY23"/>
+                </a:cxn>
+              </a:cxnLst>
+              <a:rect l="l" t="t" r="r" b="b"/>
+              <a:pathLst>
+                <a:path w="525140" h="594059">
+                  <a:moveTo>
+                    <a:pt x="457321" y="593225"/>
+                  </a:moveTo>
+                  <a:cubicBezTo>
+                    <a:pt x="497999" y="588955"/>
+                    <a:pt x="510550" y="548806"/>
+                    <a:pt x="518227" y="517971"/>
+                  </a:cubicBezTo>
+                  <a:lnTo>
+                    <a:pt x="523799" y="496969"/>
+                  </a:lnTo>
+                  <a:lnTo>
+                    <a:pt x="525140" y="497879"/>
+                  </a:lnTo>
+                  <a:lnTo>
+                    <a:pt x="524288" y="495125"/>
+                  </a:lnTo>
+                  <a:lnTo>
+                    <a:pt x="525140" y="491914"/>
+                  </a:lnTo>
+                  <a:lnTo>
+                    <a:pt x="522168" y="488270"/>
+                  </a:lnTo>
+                  <a:lnTo>
+                    <a:pt x="495362" y="401610"/>
+                  </a:lnTo>
+                  <a:cubicBezTo>
+                    <a:pt x="483847" y="370055"/>
+                    <a:pt x="471729" y="338699"/>
+                    <a:pt x="461966" y="306543"/>
+                  </a:cubicBezTo>
+                  <a:cubicBezTo>
+                    <a:pt x="445425" y="259624"/>
+                    <a:pt x="421304" y="215910"/>
+                    <a:pt x="402697" y="169907"/>
+                  </a:cubicBezTo>
+                  <a:cubicBezTo>
+                    <a:pt x="367549" y="106739"/>
+                    <a:pt x="328496" y="37162"/>
+                    <a:pt x="257511" y="9011"/>
+                  </a:cubicBezTo>
+                  <a:cubicBezTo>
+                    <a:pt x="201458" y="-15021"/>
+                    <a:pt x="138283" y="11986"/>
+                    <a:pt x="100379" y="55014"/>
+                  </a:cubicBezTo>
+                  <a:cubicBezTo>
+                    <a:pt x="81541" y="86140"/>
+                    <a:pt x="60636" y="116580"/>
+                    <a:pt x="49839" y="151597"/>
+                  </a:cubicBezTo>
+                  <a:cubicBezTo>
+                    <a:pt x="28475" y="227811"/>
+                    <a:pt x="11016" y="305170"/>
+                    <a:pt x="4354" y="384130"/>
+                  </a:cubicBezTo>
+                  <a:cubicBezTo>
+                    <a:pt x="2286" y="416630"/>
+                    <a:pt x="-6673" y="451876"/>
+                    <a:pt x="9408" y="482316"/>
+                  </a:cubicBezTo>
+                  <a:cubicBezTo>
+                    <a:pt x="23191" y="512984"/>
+                    <a:pt x="56961" y="532438"/>
+                    <a:pt x="90271" y="531981"/>
+                  </a:cubicBezTo>
+                  <a:cubicBezTo>
+                    <a:pt x="168148" y="532667"/>
+                    <a:pt x="246024" y="530836"/>
+                    <a:pt x="323671" y="532667"/>
+                  </a:cubicBezTo>
+                  <a:cubicBezTo>
+                    <a:pt x="292888" y="434711"/>
+                    <a:pt x="259348" y="336754"/>
+                    <a:pt x="212714" y="244977"/>
+                  </a:cubicBezTo>
+                  <a:cubicBezTo>
+                    <a:pt x="213863" y="235135"/>
+                    <a:pt x="216849" y="225523"/>
+                    <a:pt x="219147" y="215681"/>
+                  </a:cubicBezTo>
+                  <a:cubicBezTo>
+                    <a:pt x="252686" y="264659"/>
+                    <a:pt x="268308" y="322335"/>
+                    <a:pt x="293807" y="375204"/>
+                  </a:cubicBezTo>
+                  <a:cubicBezTo>
+                    <a:pt x="308739" y="424411"/>
+                    <a:pt x="327117" y="472474"/>
+                    <a:pt x="343428" y="521224"/>
+                  </a:cubicBezTo>
+                  <a:lnTo>
+                    <a:pt x="346314" y="518475"/>
+                  </a:lnTo>
+                  <a:lnTo>
+                    <a:pt x="365370" y="552373"/>
+                  </a:lnTo>
+                  <a:cubicBezTo>
+                    <a:pt x="389089" y="585601"/>
+                    <a:pt x="416643" y="597495"/>
+                    <a:pt x="457321" y="593225"/>
+                  </a:cubicBezTo>
+                  <a:close/>
+                </a:path>
+              </a:pathLst>
+            </a:custGeom>
+            <a:grpFill/>
+            <a:ln>
+              <a:noFill/>
+            </a:ln>
+          </p:spPr>
+          <p:txBody>
+            <a:bodyPr vert="horz" wrap="square" lIns="91440" tIns="45720" rIns="91440" bIns="45720" numCol="1" anchor="t" anchorCtr="0" compatLnSpc="1">
+              <a:noAutofit/>
+            </a:bodyPr>
+            <a:p>
+              <a:pPr marL="0" marR="0" lvl="0" indent="0" defTabSz="914400" eaLnBrk="1" fontAlgn="auto" latinLnBrk="0" hangingPunct="1">
+                <a:lnSpc>
+                  <a:spcPct val="100000"/>
+                </a:lnSpc>
+                <a:spcBef>
+                  <a:spcPts val="0"/>
+                </a:spcBef>
+                <a:spcAft>
+                  <a:spcPts val="0"/>
+                </a:spcAft>
+                <a:buClrTx/>
+                <a:buSzTx/>
+                <a:buFontTx/>
+                <a:buNone/>
+                <a:defRPr/>
+              </a:pPr>
+              <a:endParaRPr kumimoji="0" lang="zh-CN" altLang="en-US" sz="1800" b="0" i="0" u="none" strike="noStrike" kern="0" cap="none" spc="0" normalizeH="0" baseline="0" noProof="0">
+                <a:ln>
+                  <a:noFill/>
+                </a:ln>
+                <a:solidFill>
+                  <a:sysClr val="windowText" lastClr="000000"/>
+                </a:solidFill>
+                <a:effectLst/>
+                <a:uLnTx/>
+                <a:uFillTx/>
+              </a:endParaRPr>
+            </a:p>
+          </p:txBody>
+        </p:sp>
+        <p:sp>
+          <p:nvSpPr>
+            <p:cNvPr id="63" name="Freeform 20"/>
+            <p:cNvSpPr/>
+            <p:nvPr/>
+          </p:nvSpPr>
+          <p:spPr bwMode="auto">
+            <a:xfrm flipV="1">
+              <a:off x="9077325" y="4533901"/>
+              <a:ext cx="755650" cy="2122488"/>
+            </a:xfrm>
+            <a:custGeom>
+              <a:avLst/>
+              <a:gdLst>
+                <a:gd name="T0" fmla="*/ 1847 w 3291"/>
+                <a:gd name="T1" fmla="*/ 9283 h 9284"/>
+                <a:gd name="T2" fmla="*/ 2914 w 3291"/>
+                <a:gd name="T3" fmla="*/ 9278 h 9284"/>
+                <a:gd name="T4" fmla="*/ 3272 w 3291"/>
+                <a:gd name="T5" fmla="*/ 8917 h 9284"/>
+                <a:gd name="T6" fmla="*/ 3199 w 3291"/>
+                <a:gd name="T7" fmla="*/ 7787 h 9284"/>
+                <a:gd name="T8" fmla="*/ 3021 w 3291"/>
+                <a:gd name="T9" fmla="*/ 7195 h 9284"/>
+                <a:gd name="T10" fmla="*/ 2363 w 3291"/>
+                <a:gd name="T11" fmla="*/ 6292 h 9284"/>
+                <a:gd name="T12" fmla="*/ 724 w 3291"/>
+                <a:gd name="T13" fmla="*/ 5820 h 9284"/>
+                <a:gd name="T14" fmla="*/ 372 w 3291"/>
+                <a:gd name="T15" fmla="*/ 5953 h 9284"/>
+                <a:gd name="T16" fmla="*/ 301 w 3291"/>
+                <a:gd name="T17" fmla="*/ 6415 h 9284"/>
+                <a:gd name="T18" fmla="*/ 693 w 3291"/>
+                <a:gd name="T19" fmla="*/ 6623 h 9284"/>
+                <a:gd name="T20" fmla="*/ 1500 w 3291"/>
+                <a:gd name="T21" fmla="*/ 6704 h 9284"/>
+                <a:gd name="T22" fmla="*/ 2085 w 3291"/>
+                <a:gd name="T23" fmla="*/ 7139 h 9284"/>
+                <a:gd name="T24" fmla="*/ 2412 w 3291"/>
+                <a:gd name="T25" fmla="*/ 7935 h 9284"/>
+                <a:gd name="T26" fmla="*/ 2334 w 3291"/>
+                <a:gd name="T27" fmla="*/ 7958 h 9284"/>
+                <a:gd name="T28" fmla="*/ 1986 w 3291"/>
+                <a:gd name="T29" fmla="*/ 7167 h 9284"/>
+                <a:gd name="T30" fmla="*/ 762 w 3291"/>
+                <a:gd name="T31" fmla="*/ 6703 h 9284"/>
+                <a:gd name="T32" fmla="*/ 257 w 3291"/>
+                <a:gd name="T33" fmla="*/ 6499 h 9284"/>
+                <a:gd name="T34" fmla="*/ 584 w 3291"/>
+                <a:gd name="T35" fmla="*/ 5746 h 9284"/>
+                <a:gd name="T36" fmla="*/ 1519 w 3291"/>
+                <a:gd name="T37" fmla="*/ 5788 h 9284"/>
+                <a:gd name="T38" fmla="*/ 2673 w 3291"/>
+                <a:gd name="T39" fmla="*/ 6476 h 9284"/>
+                <a:gd name="T40" fmla="*/ 2676 w 3291"/>
+                <a:gd name="T41" fmla="*/ 771 h 9284"/>
+                <a:gd name="T42" fmla="*/ 2386 w 3291"/>
+                <a:gd name="T43" fmla="*/ 197 h 9284"/>
+                <a:gd name="T44" fmla="*/ 1534 w 3291"/>
+                <a:gd name="T45" fmla="*/ 414 h 9284"/>
+                <a:gd name="T46" fmla="*/ 1456 w 3291"/>
+                <a:gd name="T47" fmla="*/ 733 h 9284"/>
+                <a:gd name="T48" fmla="*/ 1456 w 3291"/>
+                <a:gd name="T49" fmla="*/ 5153 h 9284"/>
+                <a:gd name="T50" fmla="*/ 1225 w 3291"/>
+                <a:gd name="T51" fmla="*/ 5151 h 9284"/>
+                <a:gd name="T52" fmla="*/ 1224 w 3291"/>
+                <a:gd name="T53" fmla="*/ 698 h 9284"/>
+                <a:gd name="T54" fmla="*/ 484 w 3291"/>
+                <a:gd name="T55" fmla="*/ 118 h 9284"/>
+                <a:gd name="T56" fmla="*/ 58 w 3291"/>
+                <a:gd name="T57" fmla="*/ 492 h 9284"/>
+                <a:gd name="T58" fmla="*/ 17 w 3291"/>
+                <a:gd name="T59" fmla="*/ 945 h 9284"/>
+                <a:gd name="T60" fmla="*/ 16 w 3291"/>
+                <a:gd name="T61" fmla="*/ 6942 h 9284"/>
+                <a:gd name="T62" fmla="*/ 689 w 3291"/>
+                <a:gd name="T63" fmla="*/ 6960 h 9284"/>
+                <a:gd name="T64" fmla="*/ 1256 w 3291"/>
+                <a:gd name="T65" fmla="*/ 7678 h 9284"/>
+                <a:gd name="T66" fmla="*/ 1446 w 3291"/>
+                <a:gd name="T67" fmla="*/ 8089 h 9284"/>
+                <a:gd name="T68" fmla="*/ 1660 w 3291"/>
+                <a:gd name="T69" fmla="*/ 8674 h 9284"/>
+                <a:gd name="T70" fmla="*/ 1847 w 3291"/>
+                <a:gd name="T71" fmla="*/ 9283 h 9284"/>
+              </a:gdLst>
+              <a:ahLst/>
+              <a:cxnLst>
+                <a:cxn ang="0">
+                  <a:pos x="T0" y="T1"/>
+                </a:cxn>
+                <a:cxn ang="0">
+                  <a:pos x="T2" y="T3"/>
+                </a:cxn>
+                <a:cxn ang="0">
+                  <a:pos x="T4" y="T5"/>
+                </a:cxn>
+                <a:cxn ang="0">
+                  <a:pos x="T6" y="T7"/>
+                </a:cxn>
+                <a:cxn ang="0">
+                  <a:pos x="T8" y="T9"/>
+                </a:cxn>
+                <a:cxn ang="0">
+                  <a:pos x="T10" y="T11"/>
+                </a:cxn>
+                <a:cxn ang="0">
+                  <a:pos x="T12" y="T13"/>
+                </a:cxn>
+                <a:cxn ang="0">
+                  <a:pos x="T14" y="T15"/>
+                </a:cxn>
+                <a:cxn ang="0">
+                  <a:pos x="T16" y="T17"/>
+                </a:cxn>
+                <a:cxn ang="0">
+                  <a:pos x="T18" y="T19"/>
+                </a:cxn>
+                <a:cxn ang="0">
+                  <a:pos x="T20" y="T21"/>
+                </a:cxn>
+                <a:cxn ang="0">
+                  <a:pos x="T22" y="T23"/>
+                </a:cxn>
+                <a:cxn ang="0">
+                  <a:pos x="T24" y="T25"/>
+                </a:cxn>
+                <a:cxn ang="0">
+                  <a:pos x="T26" y="T27"/>
+                </a:cxn>
+                <a:cxn ang="0">
+                  <a:pos x="T28" y="T29"/>
+                </a:cxn>
+                <a:cxn ang="0">
+                  <a:pos x="T30" y="T31"/>
+                </a:cxn>
+                <a:cxn ang="0">
+                  <a:pos x="T32" y="T33"/>
+                </a:cxn>
+                <a:cxn ang="0">
+                  <a:pos x="T34" y="T35"/>
+                </a:cxn>
+                <a:cxn ang="0">
+                  <a:pos x="T36" y="T37"/>
+                </a:cxn>
+                <a:cxn ang="0">
+                  <a:pos x="T38" y="T39"/>
+                </a:cxn>
+                <a:cxn ang="0">
+                  <a:pos x="T40" y="T41"/>
+                </a:cxn>
+                <a:cxn ang="0">
+                  <a:pos x="T42" y="T43"/>
+                </a:cxn>
+                <a:cxn ang="0">
+                  <a:pos x="T44" y="T45"/>
+                </a:cxn>
+                <a:cxn ang="0">
+                  <a:pos x="T46" y="T47"/>
+                </a:cxn>
+                <a:cxn ang="0">
+                  <a:pos x="T48" y="T49"/>
+                </a:cxn>
+                <a:cxn ang="0">
+                  <a:pos x="T50" y="T51"/>
+                </a:cxn>
+                <a:cxn ang="0">
+                  <a:pos x="T52" y="T53"/>
+                </a:cxn>
+                <a:cxn ang="0">
+                  <a:pos x="T54" y="T55"/>
+                </a:cxn>
+                <a:cxn ang="0">
+                  <a:pos x="T56" y="T57"/>
+                </a:cxn>
+                <a:cxn ang="0">
+                  <a:pos x="T58" y="T59"/>
+                </a:cxn>
+                <a:cxn ang="0">
+                  <a:pos x="T60" y="T61"/>
+                </a:cxn>
+                <a:cxn ang="0">
+                  <a:pos x="T62" y="T63"/>
+                </a:cxn>
+                <a:cxn ang="0">
+                  <a:pos x="T64" y="T65"/>
+                </a:cxn>
+                <a:cxn ang="0">
+                  <a:pos x="T66" y="T67"/>
+                </a:cxn>
+                <a:cxn ang="0">
+                  <a:pos x="T68" y="T69"/>
+                </a:cxn>
+                <a:cxn ang="0">
+                  <a:pos x="T70" y="T71"/>
+                </a:cxn>
+              </a:cxnLst>
+              <a:rect l="0" t="0" r="r" b="b"/>
+              <a:pathLst>
+                <a:path w="3291" h="9284">
+                  <a:moveTo>
+                    <a:pt x="1847" y="9283"/>
+                  </a:moveTo>
+                  <a:cubicBezTo>
+                    <a:pt x="2203" y="9272"/>
+                    <a:pt x="2558" y="9284"/>
+                    <a:pt x="2914" y="9278"/>
+                  </a:cubicBezTo>
+                  <a:cubicBezTo>
+                    <a:pt x="3102" y="9265"/>
+                    <a:pt x="3266" y="9108"/>
+                    <a:pt x="3272" y="8917"/>
+                  </a:cubicBezTo>
+                  <a:cubicBezTo>
+                    <a:pt x="3291" y="8540"/>
+                    <a:pt x="3285" y="8157"/>
+                    <a:pt x="3199" y="7787"/>
+                  </a:cubicBezTo>
+                  <a:cubicBezTo>
+                    <a:pt x="3159" y="7584"/>
+                    <a:pt x="3082" y="7392"/>
+                    <a:pt x="3021" y="7195"/>
+                  </a:cubicBezTo>
+                  <a:cubicBezTo>
+                    <a:pt x="2873" y="6849"/>
+                    <a:pt x="2652" y="6535"/>
+                    <a:pt x="2363" y="6292"/>
+                  </a:cubicBezTo>
+                  <a:cubicBezTo>
+                    <a:pt x="1902" y="5936"/>
+                    <a:pt x="1301" y="5786"/>
+                    <a:pt x="724" y="5820"/>
+                  </a:cubicBezTo>
+                  <a:cubicBezTo>
+                    <a:pt x="594" y="5816"/>
+                    <a:pt x="463" y="5857"/>
+                    <a:pt x="372" y="5953"/>
+                  </a:cubicBezTo>
+                  <a:cubicBezTo>
+                    <a:pt x="241" y="6065"/>
+                    <a:pt x="253" y="6266"/>
+                    <a:pt x="301" y="6415"/>
+                  </a:cubicBezTo>
+                  <a:cubicBezTo>
+                    <a:pt x="385" y="6541"/>
+                    <a:pt x="535" y="6640"/>
+                    <a:pt x="693" y="6623"/>
+                  </a:cubicBezTo>
+                  <a:cubicBezTo>
+                    <a:pt x="963" y="6603"/>
+                    <a:pt x="1238" y="6630"/>
+                    <a:pt x="1500" y="6704"/>
+                  </a:cubicBezTo>
+                  <a:cubicBezTo>
+                    <a:pt x="1728" y="6794"/>
+                    <a:pt x="1934" y="6945"/>
+                    <a:pt x="2085" y="7139"/>
+                  </a:cubicBezTo>
+                  <a:cubicBezTo>
+                    <a:pt x="2246" y="7379"/>
+                    <a:pt x="2376" y="7645"/>
+                    <a:pt x="2412" y="7935"/>
+                  </a:cubicBezTo>
+                  <a:cubicBezTo>
+                    <a:pt x="2393" y="7941"/>
+                    <a:pt x="2353" y="7952"/>
+                    <a:pt x="2334" y="7958"/>
+                  </a:cubicBezTo>
+                  <a:cubicBezTo>
+                    <a:pt x="2267" y="7678"/>
+                    <a:pt x="2165" y="7395"/>
+                    <a:pt x="1986" y="7167"/>
+                  </a:cubicBezTo>
+                  <a:cubicBezTo>
+                    <a:pt x="1703" y="6799"/>
+                    <a:pt x="1208" y="6674"/>
+                    <a:pt x="762" y="6703"/>
+                  </a:cubicBezTo>
+                  <a:cubicBezTo>
+                    <a:pt x="575" y="6726"/>
+                    <a:pt x="352" y="6680"/>
+                    <a:pt x="257" y="6499"/>
+                  </a:cubicBezTo>
+                  <a:cubicBezTo>
+                    <a:pt x="43" y="6233"/>
+                    <a:pt x="240" y="5764"/>
+                    <a:pt x="584" y="5746"/>
+                  </a:cubicBezTo>
+                  <a:cubicBezTo>
+                    <a:pt x="895" y="5724"/>
+                    <a:pt x="1212" y="5729"/>
+                    <a:pt x="1519" y="5788"/>
+                  </a:cubicBezTo>
+                  <a:cubicBezTo>
+                    <a:pt x="1954" y="5907"/>
+                    <a:pt x="2390" y="6114"/>
+                    <a:pt x="2673" y="6476"/>
+                  </a:cubicBezTo>
+                  <a:cubicBezTo>
+                    <a:pt x="2678" y="4575"/>
+                    <a:pt x="2674" y="2673"/>
+                    <a:pt x="2676" y="771"/>
+                  </a:cubicBezTo>
+                  <a:cubicBezTo>
+                    <a:pt x="2685" y="550"/>
+                    <a:pt x="2591" y="303"/>
+                    <a:pt x="2386" y="197"/>
+                  </a:cubicBezTo>
+                  <a:cubicBezTo>
+                    <a:pt x="2109" y="0"/>
+                    <a:pt x="1693" y="124"/>
+                    <a:pt x="1534" y="414"/>
+                  </a:cubicBezTo>
+                  <a:cubicBezTo>
+                    <a:pt x="1471" y="508"/>
+                    <a:pt x="1451" y="622"/>
+                    <a:pt x="1456" y="733"/>
+                  </a:cubicBezTo>
+                  <a:cubicBezTo>
+                    <a:pt x="1456" y="2207"/>
+                    <a:pt x="1456" y="3680"/>
+                    <a:pt x="1456" y="5153"/>
+                  </a:cubicBezTo>
+                  <a:cubicBezTo>
+                    <a:pt x="1379" y="5152"/>
+                    <a:pt x="1302" y="5151"/>
+                    <a:pt x="1225" y="5151"/>
+                  </a:cubicBezTo>
+                  <a:cubicBezTo>
+                    <a:pt x="1224" y="3667"/>
+                    <a:pt x="1226" y="2183"/>
+                    <a:pt x="1224" y="698"/>
+                  </a:cubicBezTo>
+                  <a:cubicBezTo>
+                    <a:pt x="1247" y="323"/>
+                    <a:pt x="838" y="21"/>
+                    <a:pt x="484" y="118"/>
+                  </a:cubicBezTo>
+                  <a:cubicBezTo>
+                    <a:pt x="296" y="167"/>
+                    <a:pt x="115" y="300"/>
+                    <a:pt x="58" y="492"/>
+                  </a:cubicBezTo>
+                  <a:cubicBezTo>
+                    <a:pt x="0" y="636"/>
+                    <a:pt x="20" y="794"/>
+                    <a:pt x="17" y="945"/>
+                  </a:cubicBezTo>
+                  <a:cubicBezTo>
+                    <a:pt x="17" y="2944"/>
+                    <a:pt x="19" y="4943"/>
+                    <a:pt x="16" y="6942"/>
+                  </a:cubicBezTo>
+                  <a:cubicBezTo>
+                    <a:pt x="231" y="6848"/>
+                    <a:pt x="481" y="6849"/>
+                    <a:pt x="689" y="6960"/>
+                  </a:cubicBezTo>
+                  <a:cubicBezTo>
+                    <a:pt x="952" y="7129"/>
+                    <a:pt x="1127" y="7399"/>
+                    <a:pt x="1256" y="7678"/>
+                  </a:cubicBezTo>
+                  <a:cubicBezTo>
+                    <a:pt x="1323" y="7813"/>
+                    <a:pt x="1400" y="7944"/>
+                    <a:pt x="1446" y="8089"/>
+                  </a:cubicBezTo>
+                  <a:cubicBezTo>
+                    <a:pt x="1507" y="8288"/>
+                    <a:pt x="1609" y="8472"/>
+                    <a:pt x="1660" y="8674"/>
+                  </a:cubicBezTo>
+                  <a:cubicBezTo>
+                    <a:pt x="1712" y="8881"/>
+                    <a:pt x="1806" y="9074"/>
+                    <a:pt x="1847" y="9283"/>
+                  </a:cubicBezTo>
+                </a:path>
+              </a:pathLst>
+            </a:custGeom>
+            <a:grpFill/>
+            <a:ln>
+              <a:noFill/>
+            </a:ln>
+          </p:spPr>
+          <p:txBody>
+            <a:bodyPr vert="horz" wrap="square" lIns="91440" tIns="45720" rIns="91440" bIns="45720" numCol="1" anchor="t" anchorCtr="0" compatLnSpc="1"/>
+            <a:p>
+              <a:pPr marL="0" marR="0" lvl="0" indent="0" defTabSz="914400" eaLnBrk="1" fontAlgn="auto" latinLnBrk="0" hangingPunct="1">
+                <a:lnSpc>
+                  <a:spcPct val="100000"/>
+                </a:lnSpc>
+                <a:spcBef>
+                  <a:spcPts val="0"/>
+                </a:spcBef>
+                <a:spcAft>
+                  <a:spcPts val="0"/>
+                </a:spcAft>
+                <a:buClrTx/>
+                <a:buSzTx/>
+                <a:buFontTx/>
+                <a:buNone/>
+                <a:defRPr/>
+              </a:pPr>
+              <a:endParaRPr kumimoji="0" lang="zh-CN" altLang="en-US" sz="1800" b="0" i="0" u="none" strike="noStrike" kern="0" cap="none" spc="0" normalizeH="0" baseline="0" noProof="0">
+                <a:ln>
+                  <a:noFill/>
+                </a:ln>
+                <a:solidFill>
+                  <a:sysClr val="windowText" lastClr="000000"/>
+                </a:solidFill>
+                <a:effectLst/>
+                <a:uLnTx/>
+                <a:uFillTx/>
+              </a:endParaRPr>
+            </a:p>
+          </p:txBody>
+        </p:sp>
+        <p:sp>
+          <p:nvSpPr>
+            <p:cNvPr id="64" name="任意多边形 63"/>
+            <p:cNvSpPr/>
+            <p:nvPr/>
+          </p:nvSpPr>
+          <p:spPr>
+            <a:xfrm>
+              <a:off x="9073404" y="3903155"/>
+              <a:ext cx="630746" cy="613788"/>
+            </a:xfrm>
+            <a:custGeom>
+              <a:avLst/>
+              <a:gdLst>
+                <a:gd name="connsiteX0" fmla="*/ 315373 w 630746"/>
+                <a:gd name="connsiteY0" fmla="*/ 0 h 613788"/>
+                <a:gd name="connsiteX1" fmla="*/ 630746 w 630746"/>
+                <a:gd name="connsiteY1" fmla="*/ 315373 h 613788"/>
+                <a:gd name="connsiteX2" fmla="*/ 438131 w 630746"/>
+                <a:gd name="connsiteY2" fmla="*/ 605963 h 613788"/>
+                <a:gd name="connsiteX3" fmla="*/ 412921 w 630746"/>
+                <a:gd name="connsiteY3" fmla="*/ 613788 h 613788"/>
+                <a:gd name="connsiteX4" fmla="*/ 409268 w 630746"/>
+                <a:gd name="connsiteY4" fmla="*/ 594804 h 613788"/>
+                <a:gd name="connsiteX5" fmla="*/ 303824 w 630746"/>
+                <a:gd name="connsiteY5" fmla="*/ 521479 h 613788"/>
+                <a:gd name="connsiteX6" fmla="*/ 198380 w 630746"/>
+                <a:gd name="connsiteY6" fmla="*/ 594804 h 613788"/>
+                <a:gd name="connsiteX7" fmla="*/ 196029 w 630746"/>
+                <a:gd name="connsiteY7" fmla="*/ 607022 h 613788"/>
+                <a:gd name="connsiteX8" fmla="*/ 192615 w 630746"/>
+                <a:gd name="connsiteY8" fmla="*/ 605963 h 613788"/>
+                <a:gd name="connsiteX9" fmla="*/ 0 w 630746"/>
+                <a:gd name="connsiteY9" fmla="*/ 315373 h 613788"/>
+                <a:gd name="connsiteX10" fmla="*/ 315373 w 630746"/>
+                <a:gd name="connsiteY10" fmla="*/ 0 h 613788"/>
+              </a:gdLst>
+              <a:ahLst/>
+              <a:cxnLst>
+                <a:cxn ang="0">
+                  <a:pos x="connsiteX0" y="connsiteY0"/>
+                </a:cxn>
+                <a:cxn ang="0">
+                  <a:pos x="connsiteX1" y="connsiteY1"/>
+                </a:cxn>
+                <a:cxn ang="0">
+                  <a:pos x="connsiteX2" y="connsiteY2"/>
+                </a:cxn>
+                <a:cxn ang="0">
+                  <a:pos x="connsiteX3" y="connsiteY3"/>
+                </a:cxn>
+                <a:cxn ang="0">
+                  <a:pos x="connsiteX4" y="connsiteY4"/>
+                </a:cxn>
+                <a:cxn ang="0">
+                  <a:pos x="connsiteX5" y="connsiteY5"/>
+                </a:cxn>
+                <a:cxn ang="0">
+                  <a:pos x="connsiteX6" y="connsiteY6"/>
+                </a:cxn>
+                <a:cxn ang="0">
+                  <a:pos x="connsiteX7" y="connsiteY7"/>
+                </a:cxn>
+                <a:cxn ang="0">
+                  <a:pos x="connsiteX8" y="connsiteY8"/>
+                </a:cxn>
+                <a:cxn ang="0">
+                  <a:pos x="connsiteX9" y="connsiteY9"/>
+                </a:cxn>
+                <a:cxn ang="0">
+                  <a:pos x="connsiteX10" y="connsiteY10"/>
+                </a:cxn>
+              </a:cxnLst>
+              <a:rect l="l" t="t" r="r" b="b"/>
+              <a:pathLst>
+                <a:path w="630746" h="613788">
+                  <a:moveTo>
+                    <a:pt x="315373" y="0"/>
+                  </a:moveTo>
+                  <a:cubicBezTo>
+                    <a:pt x="489549" y="0"/>
+                    <a:pt x="630746" y="141197"/>
+                    <a:pt x="630746" y="315373"/>
+                  </a:cubicBezTo>
+                  <a:cubicBezTo>
+                    <a:pt x="630746" y="446005"/>
+                    <a:pt x="551323" y="558087"/>
+                    <a:pt x="438131" y="605963"/>
+                  </a:cubicBezTo>
+                  <a:lnTo>
+                    <a:pt x="412921" y="613788"/>
+                  </a:lnTo>
+                  <a:lnTo>
+                    <a:pt x="409268" y="594804"/>
+                  </a:lnTo>
+                  <a:cubicBezTo>
+                    <a:pt x="391896" y="551714"/>
+                    <a:pt x="351225" y="521479"/>
+                    <a:pt x="303824" y="521479"/>
+                  </a:cubicBezTo>
+                  <a:cubicBezTo>
+                    <a:pt x="256423" y="521479"/>
+                    <a:pt x="215752" y="551714"/>
+                    <a:pt x="198380" y="594804"/>
+                  </a:cubicBezTo>
+                  <a:lnTo>
+                    <a:pt x="196029" y="607022"/>
+                  </a:lnTo>
+                  <a:lnTo>
+                    <a:pt x="192615" y="605963"/>
+                  </a:lnTo>
+                  <a:cubicBezTo>
+                    <a:pt x="79423" y="558087"/>
+                    <a:pt x="0" y="446005"/>
+                    <a:pt x="0" y="315373"/>
+                  </a:cubicBezTo>
+                  <a:cubicBezTo>
+                    <a:pt x="0" y="141197"/>
+                    <a:pt x="141197" y="0"/>
+                    <a:pt x="315373" y="0"/>
+                  </a:cubicBezTo>
+                  <a:close/>
+                </a:path>
+              </a:pathLst>
+            </a:custGeom>
+            <a:grpFill/>
+            <a:ln>
+              <a:noFill/>
+            </a:ln>
+          </p:spPr>
+          <p:style>
+            <a:lnRef idx="2">
+              <a:schemeClr val="accent1">
+                <a:shade val="50000"/>
+              </a:schemeClr>
+            </a:lnRef>
+            <a:fillRef idx="1">
+              <a:schemeClr val="accent1"/>
+            </a:fillRef>
+            <a:effectRef idx="0">
+              <a:schemeClr val="accent1"/>
+            </a:effectRef>
+            <a:fontRef idx="minor">
+              <a:schemeClr val="lt1"/>
+            </a:fontRef>
+          </p:style>
+          <p:txBody>
+            <a:bodyPr rtlCol="0" anchor="ctr"/>
+            <a:p>
+              <a:pPr marL="0" marR="0" lvl="0" indent="0" algn="ctr" defTabSz="914400" eaLnBrk="1" fontAlgn="auto" latinLnBrk="0" hangingPunct="1">
+                <a:lnSpc>
+                  <a:spcPct val="100000"/>
+                </a:lnSpc>
+                <a:spcBef>
+                  <a:spcPts val="0"/>
+                </a:spcBef>
+                <a:spcAft>
+                  <a:spcPts val="0"/>
+                </a:spcAft>
+                <a:buClrTx/>
+                <a:buSzTx/>
+                <a:buFontTx/>
+                <a:buNone/>
+                <a:defRPr/>
+              </a:pPr>
+              <a:endParaRPr kumimoji="0" lang="zh-CN" altLang="en-US" sz="1800" b="0" i="0" u="none" strike="noStrike" kern="0" cap="none" spc="0" normalizeH="0" baseline="0" noProof="0">
+                <a:ln>
+                  <a:noFill/>
+                </a:ln>
+                <a:solidFill>
+                  <a:sysClr val="windowText" lastClr="000000"/>
+                </a:solidFill>
+                <a:effectLst/>
+                <a:uLnTx/>
+                <a:uFillTx/>
+              </a:endParaRPr>
+            </a:p>
+          </p:txBody>
+        </p:sp>
+      </p:grpSp>
+      <p:cxnSp>
+        <p:nvCxnSpPr>
+          <p:cNvPr id="5" name="直接箭头连接符 4"/>
+          <p:cNvCxnSpPr/>
+          <p:nvPr/>
+        </p:nvCxnSpPr>
+        <p:spPr>
+          <a:xfrm flipH="1" flipV="1">
+            <a:off x="5730240" y="2708910"/>
+            <a:ext cx="3230245" cy="1548765"/>
+          </a:xfrm>
+          <a:prstGeom prst="straightConnector1">
+            <a:avLst/>
+          </a:prstGeom>
+          <a:ln w="28575" cmpd="sng">
+            <a:gradFill>
+              <a:gsLst>
+                <a:gs pos="0">
+                  <a:schemeClr val="accent2">
+                    <a:lumMod val="60000"/>
+                    <a:lumOff val="40000"/>
+                  </a:schemeClr>
+                </a:gs>
+                <a:gs pos="100000">
+                  <a:schemeClr val="accent1">
+                    <a:lumMod val="75000"/>
+                  </a:schemeClr>
+                </a:gs>
+              </a:gsLst>
+              <a:lin ang="5400000" scaled="1"/>
+            </a:gradFill>
+            <a:prstDash val="solid"/>
+            <a:tailEnd type="arrow"/>
+          </a:ln>
+        </p:spPr>
+        <p:style>
+          <a:lnRef idx="1">
+            <a:schemeClr val="accent1"/>
+          </a:lnRef>
+          <a:fillRef idx="0">
+            <a:schemeClr val="accent1"/>
+          </a:fillRef>
+          <a:effectRef idx="0">
+            <a:schemeClr val="accent1"/>
+          </a:effectRef>
+          <a:fontRef idx="minor">
+            <a:schemeClr val="tx1"/>
+          </a:fontRef>
+        </p:style>
+      </p:cxnSp>
+      <p:cxnSp>
+        <p:nvCxnSpPr>
+          <p:cNvPr id="7" name="直接箭头连接符 6"/>
+          <p:cNvCxnSpPr/>
+          <p:nvPr/>
+        </p:nvCxnSpPr>
+        <p:spPr>
+          <a:xfrm flipV="1">
+            <a:off x="2421890" y="2708910"/>
+            <a:ext cx="3263900" cy="1471295"/>
+          </a:xfrm>
+          <a:prstGeom prst="straightConnector1">
+            <a:avLst/>
+          </a:prstGeom>
+          <a:ln w="28575" cmpd="sng">
+            <a:gradFill>
+              <a:gsLst>
+                <a:gs pos="0">
+                  <a:schemeClr val="accent2">
+                    <a:lumMod val="60000"/>
+                    <a:lumOff val="40000"/>
+                  </a:schemeClr>
+                </a:gs>
+                <a:gs pos="100000">
+                  <a:schemeClr val="accent1">
+                    <a:lumMod val="75000"/>
+                  </a:schemeClr>
+                </a:gs>
+              </a:gsLst>
+              <a:lin ang="5400000" scaled="1"/>
+            </a:gradFill>
+            <a:prstDash val="solid"/>
+            <a:tailEnd type="arrow"/>
+          </a:ln>
+        </p:spPr>
+        <p:style>
+          <a:lnRef idx="1">
+            <a:schemeClr val="accent1"/>
+          </a:lnRef>
+          <a:fillRef idx="0">
+            <a:schemeClr val="accent1"/>
+          </a:fillRef>
+          <a:effectRef idx="0">
+            <a:schemeClr val="accent1"/>
+          </a:effectRef>
+          <a:fontRef idx="minor">
+            <a:schemeClr val="tx1"/>
+          </a:fontRef>
+        </p:style>
+      </p:cxnSp>
+      <p:cxnSp>
+        <p:nvCxnSpPr>
+          <p:cNvPr id="8" name="直接箭头连接符 7"/>
+          <p:cNvCxnSpPr/>
+          <p:nvPr/>
+        </p:nvCxnSpPr>
+        <p:spPr>
+          <a:xfrm flipV="1">
+            <a:off x="5685790" y="2753360"/>
+            <a:ext cx="20320" cy="1449070"/>
+          </a:xfrm>
+          <a:prstGeom prst="straightConnector1">
+            <a:avLst/>
+          </a:prstGeom>
+          <a:ln w="28575" cmpd="sng">
+            <a:gradFill>
+              <a:gsLst>
+                <a:gs pos="0">
+                  <a:schemeClr val="accent2">
+                    <a:lumMod val="60000"/>
+                    <a:lumOff val="40000"/>
+                  </a:schemeClr>
+                </a:gs>
+                <a:gs pos="100000">
+                  <a:schemeClr val="accent1">
+                    <a:lumMod val="75000"/>
+                  </a:schemeClr>
+                </a:gs>
+              </a:gsLst>
+              <a:lin ang="5400000" scaled="1"/>
+            </a:gradFill>
+            <a:prstDash val="solid"/>
+            <a:tailEnd type="arrow"/>
+          </a:ln>
+        </p:spPr>
+        <p:style>
+          <a:lnRef idx="1">
+            <a:schemeClr val="accent1"/>
+          </a:lnRef>
+          <a:fillRef idx="0">
+            <a:schemeClr val="accent1"/>
+          </a:fillRef>
+          <a:effectRef idx="0">
+            <a:schemeClr val="accent1"/>
+          </a:effectRef>
+          <a:fontRef idx="minor">
+            <a:schemeClr val="tx1"/>
+          </a:fontRef>
+        </p:style>
+      </p:cxnSp>
+      <p:sp>
+        <p:nvSpPr>
+          <p:cNvPr id="9" name="文本框 8"/>
+          <p:cNvSpPr txBox="1"/>
+          <p:nvPr/>
+        </p:nvSpPr>
+        <p:spPr>
+          <a:xfrm>
+            <a:off x="4467860" y="2218055"/>
+            <a:ext cx="2455545" cy="368300"/>
+          </a:xfrm>
+          <a:prstGeom prst="rect">
+            <a:avLst/>
+          </a:prstGeom>
+          <a:noFill/>
+        </p:spPr>
+        <p:txBody>
+          <a:bodyPr wrap="square" rtlCol="0">
+            <a:spAutoFit/>
+          </a:bodyPr>
+          <a:p>
+            <a:pPr algn="ctr"/>
+            <a:r>
+              <a:rPr lang="en-US" altLang="zh-CN" b="1">
+                <a:solidFill>
+                  <a:srgbClr val="7030A0"/>
+                </a:solidFill>
+                <a:latin typeface="华文新魏" panose="02010800040101010101" charset="-122"/>
+                <a:ea typeface="华文新魏" panose="02010800040101010101" charset="-122"/>
+                <a:cs typeface="华文新魏" panose="02010800040101010101" charset="-122"/>
+              </a:rPr>
+              <a:t>People(</a:t>
+            </a:r>
+            <a:r>
+              <a:rPr lang="zh-CN" altLang="en-US" b="1">
+                <a:solidFill>
+                  <a:srgbClr val="7030A0"/>
+                </a:solidFill>
+                <a:latin typeface="华文新魏" panose="02010800040101010101" charset="-122"/>
+                <a:ea typeface="华文新魏" panose="02010800040101010101" charset="-122"/>
+                <a:cs typeface="华文新魏" panose="02010800040101010101" charset="-122"/>
+              </a:rPr>
+              <a:t>人</a:t>
+            </a:r>
+            <a:r>
+              <a:rPr lang="en-US" altLang="zh-CN" b="1">
+                <a:solidFill>
+                  <a:srgbClr val="7030A0"/>
+                </a:solidFill>
+                <a:latin typeface="华文新魏" panose="02010800040101010101" charset="-122"/>
+                <a:ea typeface="华文新魏" panose="02010800040101010101" charset="-122"/>
+                <a:cs typeface="华文新魏" panose="02010800040101010101" charset="-122"/>
+              </a:rPr>
+              <a:t>)</a:t>
+            </a:r>
+            <a:endParaRPr lang="en-US" altLang="zh-CN" b="1">
+              <a:solidFill>
+                <a:srgbClr val="7030A0"/>
+              </a:solidFill>
+              <a:latin typeface="华文新魏" panose="02010800040101010101" charset="-122"/>
+              <a:ea typeface="华文新魏" panose="02010800040101010101" charset="-122"/>
+              <a:cs typeface="华文新魏" panose="02010800040101010101" charset="-122"/>
+            </a:endParaRPr>
+          </a:p>
+        </p:txBody>
+      </p:sp>
+      <p:sp>
+        <p:nvSpPr>
+          <p:cNvPr id="10" name="文本框 9"/>
+          <p:cNvSpPr txBox="1"/>
+          <p:nvPr/>
+        </p:nvSpPr>
+        <p:spPr>
+          <a:xfrm>
+            <a:off x="121285" y="6489700"/>
+            <a:ext cx="2455545" cy="368300"/>
+          </a:xfrm>
+          <a:prstGeom prst="rect">
+            <a:avLst/>
+          </a:prstGeom>
+          <a:noFill/>
+        </p:spPr>
+        <p:txBody>
+          <a:bodyPr wrap="square" rtlCol="0">
+            <a:spAutoFit/>
+          </a:bodyPr>
+          <a:p>
+            <a:pPr algn="ctr"/>
+            <a:r>
+              <a:rPr lang="en-US" altLang="zh-CN" b="1">
+                <a:solidFill>
+                  <a:srgbClr val="B584DA"/>
+                </a:solidFill>
+                <a:latin typeface="华文新魏" panose="02010800040101010101" charset="-122"/>
+                <a:ea typeface="华文新魏" panose="02010800040101010101" charset="-122"/>
+                <a:cs typeface="华文新魏" panose="02010800040101010101" charset="-122"/>
+              </a:rPr>
+              <a:t>Teacher(</a:t>
+            </a:r>
+            <a:r>
+              <a:rPr lang="zh-CN" altLang="en-US" b="1">
+                <a:solidFill>
+                  <a:srgbClr val="B584DA"/>
+                </a:solidFill>
+                <a:latin typeface="华文新魏" panose="02010800040101010101" charset="-122"/>
+                <a:ea typeface="华文新魏" panose="02010800040101010101" charset="-122"/>
+                <a:cs typeface="华文新魏" panose="02010800040101010101" charset="-122"/>
+              </a:rPr>
+              <a:t>教师</a:t>
+            </a:r>
+            <a:r>
+              <a:rPr lang="en-US" altLang="zh-CN" b="1">
+                <a:solidFill>
+                  <a:srgbClr val="B584DA"/>
+                </a:solidFill>
+                <a:latin typeface="华文新魏" panose="02010800040101010101" charset="-122"/>
+                <a:ea typeface="华文新魏" panose="02010800040101010101" charset="-122"/>
+                <a:cs typeface="华文新魏" panose="02010800040101010101" charset="-122"/>
+              </a:rPr>
+              <a:t>)</a:t>
+            </a:r>
+            <a:endParaRPr lang="en-US" altLang="zh-CN" b="1">
+              <a:solidFill>
+                <a:srgbClr val="B584DA"/>
+              </a:solidFill>
+              <a:latin typeface="华文新魏" panose="02010800040101010101" charset="-122"/>
+              <a:ea typeface="华文新魏" panose="02010800040101010101" charset="-122"/>
+              <a:cs typeface="华文新魏" panose="02010800040101010101" charset="-122"/>
+            </a:endParaRPr>
+          </a:p>
+        </p:txBody>
+      </p:sp>
+      <p:sp>
+        <p:nvSpPr>
+          <p:cNvPr id="11" name="文本框 10"/>
+          <p:cNvSpPr txBox="1"/>
+          <p:nvPr/>
+        </p:nvSpPr>
+        <p:spPr>
+          <a:xfrm>
+            <a:off x="4338320" y="6489700"/>
+            <a:ext cx="2455545" cy="368300"/>
+          </a:xfrm>
+          <a:prstGeom prst="rect">
+            <a:avLst/>
+          </a:prstGeom>
+          <a:noFill/>
+        </p:spPr>
+        <p:txBody>
+          <a:bodyPr wrap="square" rtlCol="0">
+            <a:spAutoFit/>
+          </a:bodyPr>
+          <a:p>
+            <a:pPr algn="ctr"/>
+            <a:r>
+              <a:rPr lang="en-US" altLang="zh-CN" b="1">
+                <a:solidFill>
+                  <a:srgbClr val="B584DA"/>
+                </a:solidFill>
+                <a:latin typeface="华文新魏" panose="02010800040101010101" charset="-122"/>
+                <a:ea typeface="华文新魏" panose="02010800040101010101" charset="-122"/>
+                <a:cs typeface="华文新魏" panose="02010800040101010101" charset="-122"/>
+              </a:rPr>
+              <a:t>Student(</a:t>
+            </a:r>
+            <a:r>
+              <a:rPr lang="zh-CN" altLang="en-US" b="1">
+                <a:solidFill>
+                  <a:srgbClr val="B584DA"/>
+                </a:solidFill>
+                <a:latin typeface="华文新魏" panose="02010800040101010101" charset="-122"/>
+                <a:ea typeface="华文新魏" panose="02010800040101010101" charset="-122"/>
+                <a:cs typeface="华文新魏" panose="02010800040101010101" charset="-122"/>
+              </a:rPr>
+              <a:t>学生</a:t>
+            </a:r>
+            <a:r>
+              <a:rPr lang="en-US" altLang="zh-CN" b="1">
+                <a:solidFill>
+                  <a:srgbClr val="B584DA"/>
+                </a:solidFill>
+                <a:latin typeface="华文新魏" panose="02010800040101010101" charset="-122"/>
+                <a:ea typeface="华文新魏" panose="02010800040101010101" charset="-122"/>
+                <a:cs typeface="华文新魏" panose="02010800040101010101" charset="-122"/>
+              </a:rPr>
+              <a:t>)</a:t>
+            </a:r>
+            <a:endParaRPr lang="en-US" altLang="zh-CN" b="1">
+              <a:solidFill>
+                <a:srgbClr val="B584DA"/>
+              </a:solidFill>
+              <a:latin typeface="华文新魏" panose="02010800040101010101" charset="-122"/>
+              <a:ea typeface="华文新魏" panose="02010800040101010101" charset="-122"/>
+              <a:cs typeface="华文新魏" panose="02010800040101010101" charset="-122"/>
+            </a:endParaRPr>
+          </a:p>
+        </p:txBody>
+      </p:sp>
+      <p:sp>
+        <p:nvSpPr>
+          <p:cNvPr id="12" name="文本框 11"/>
+          <p:cNvSpPr txBox="1"/>
+          <p:nvPr/>
+        </p:nvSpPr>
+        <p:spPr>
+          <a:xfrm>
+            <a:off x="7933690" y="6489700"/>
+            <a:ext cx="2455545" cy="368300"/>
+          </a:xfrm>
+          <a:prstGeom prst="rect">
+            <a:avLst/>
+          </a:prstGeom>
+          <a:noFill/>
+        </p:spPr>
+        <p:txBody>
+          <a:bodyPr wrap="square" rtlCol="0">
+            <a:spAutoFit/>
+          </a:bodyPr>
+          <a:p>
+            <a:pPr algn="ctr"/>
+            <a:r>
+              <a:rPr lang="en-US" altLang="zh-CN" b="1">
+                <a:solidFill>
+                  <a:srgbClr val="B584DA"/>
+                </a:solidFill>
+                <a:latin typeface="华文新魏" panose="02010800040101010101" charset="-122"/>
+                <a:ea typeface="华文新魏" panose="02010800040101010101" charset="-122"/>
+                <a:cs typeface="华文新魏" panose="02010800040101010101" charset="-122"/>
+              </a:rPr>
+              <a:t>Teacher_Fam(</a:t>
+            </a:r>
+            <a:r>
+              <a:rPr lang="zh-CN" altLang="en-US" b="1">
+                <a:solidFill>
+                  <a:srgbClr val="B584DA"/>
+                </a:solidFill>
+                <a:latin typeface="华文新魏" panose="02010800040101010101" charset="-122"/>
+                <a:ea typeface="华文新魏" panose="02010800040101010101" charset="-122"/>
+                <a:cs typeface="华文新魏" panose="02010800040101010101" charset="-122"/>
+              </a:rPr>
+              <a:t>家属</a:t>
+            </a:r>
+            <a:r>
+              <a:rPr lang="en-US" altLang="zh-CN" b="1">
+                <a:solidFill>
+                  <a:srgbClr val="B584DA"/>
+                </a:solidFill>
+                <a:latin typeface="华文新魏" panose="02010800040101010101" charset="-122"/>
+                <a:ea typeface="华文新魏" panose="02010800040101010101" charset="-122"/>
+                <a:cs typeface="华文新魏" panose="02010800040101010101" charset="-122"/>
+              </a:rPr>
+              <a:t>)</a:t>
+            </a:r>
+            <a:endParaRPr lang="en-US" altLang="zh-CN" b="1">
+              <a:solidFill>
+                <a:srgbClr val="B584DA"/>
+              </a:solidFill>
+              <a:latin typeface="华文新魏" panose="02010800040101010101" charset="-122"/>
+              <a:ea typeface="华文新魏" panose="02010800040101010101" charset="-122"/>
+              <a:cs typeface="华文新魏" panose="02010800040101010101" charset="-122"/>
+            </a:endParaRPr>
+          </a:p>
+        </p:txBody>
+      </p:sp>
+    </p:spTree>
+    <p:custDataLst>
+      <p:tags r:id="rId2"/>
     </p:custDataLst>
   </p:cSld>
   <p:clrMapOvr>
@@ -14249,6 +17084,14 @@
 </p:tagLst>
 </file>
 
+<file path=ppt/tags/tag70.xml><?xml version="1.0" encoding="utf-8"?>
+<p:tagLst xmlns:p="http://schemas.openxmlformats.org/presentationml/2006/main">
+  <p:tag name="KSO_WM_BEAUTIFY_FLAG" val="#wm#"/>
+  <p:tag name="KSO_WM_TEMPLATE_CATEGORY" val="custom"/>
+  <p:tag name="KSO_WM_TEMPLATE_INDEX" val="20205081"/>
+</p:tagLst>
+</file>
+
 <file path=ppt/tags/tag8.xml><?xml version="1.0" encoding="utf-8"?>
 <p:tagLst xmlns:p="http://schemas.openxmlformats.org/presentationml/2006/main">
   <p:tag name="KSO_WM_UNIT_HIGHLIGHT" val="0"/>
